--- a/开题/开题答辩.pptx
+++ b/开题/开题答辩.pptx
@@ -4,6 +4,9 @@
   <p:sldMasterIdLst>
     <p:sldMasterId id="2147483666" r:id="rId1"/>
   </p:sldMasterIdLst>
+  <p:notesMasterIdLst>
+    <p:notesMasterId r:id="rId28"/>
+  </p:notesMasterIdLst>
   <p:sldIdLst>
     <p:sldId id="259" r:id="rId2"/>
     <p:sldId id="265" r:id="rId3"/>
@@ -483,7 +486,6 @@
             <c:showLeaderLines val="0"/>
             <c:extLst>
               <c:ext xmlns:c15="http://schemas.microsoft.com/office/drawing/2012/chart" uri="{CE6537A1-D6FC-4f65-9D91-7224C49458BB}">
-                <c15:layout/>
                 <c15:showLeaderLines val="1"/>
                 <c15:leaderLines>
                   <c:spPr>
@@ -613,7 +615,6 @@
             <c:showLeaderLines val="0"/>
             <c:extLst>
               <c:ext xmlns:c15="http://schemas.microsoft.com/office/drawing/2012/chart" uri="{CE6537A1-D6FC-4f65-9D91-7224C49458BB}">
-                <c15:layout/>
                 <c15:showLeaderLines val="1"/>
                 <c15:leaderLines>
                   <c:spPr>
@@ -743,7 +744,6 @@
             <c:showLeaderLines val="0"/>
             <c:extLst>
               <c:ext xmlns:c15="http://schemas.microsoft.com/office/drawing/2012/chart" uri="{CE6537A1-D6FC-4f65-9D91-7224C49458BB}">
-                <c15:layout/>
                 <c15:showLeaderLines val="1"/>
                 <c15:leaderLines>
                   <c:spPr>
@@ -2143,6 +2143,474 @@
     </cdr:sp>
   </cdr:relSizeAnchor>
 </c:userShapes>
+</file>
+
+<file path=ppt/notesMasters/notesMaster1.xml><?xml version="1.0" encoding="utf-8"?>
+<p:notesMaster xmlns:a="http://schemas.openxmlformats.org/drawingml/2006/main" xmlns:r="http://schemas.openxmlformats.org/officeDocument/2006/relationships" xmlns:p="http://schemas.openxmlformats.org/presentationml/2006/main">
+  <p:cSld>
+    <p:bg>
+      <p:bgRef idx="1001">
+        <a:schemeClr val="bg1"/>
+      </p:bgRef>
+    </p:bg>
+    <p:spTree>
+      <p:nvGrpSpPr>
+        <p:cNvPr id="1" name=""/>
+        <p:cNvGrpSpPr/>
+        <p:nvPr/>
+      </p:nvGrpSpPr>
+      <p:grpSpPr>
+        <a:xfrm>
+          <a:off x="0" y="0"/>
+          <a:ext cx="0" cy="0"/>
+          <a:chOff x="0" y="0"/>
+          <a:chExt cx="0" cy="0"/>
+        </a:xfrm>
+      </p:grpSpPr>
+      <p:sp>
+        <p:nvSpPr>
+          <p:cNvPr id="2" name="页眉占位符 1"/>
+          <p:cNvSpPr>
+            <a:spLocks noGrp="1"/>
+          </p:cNvSpPr>
+          <p:nvPr>
+            <p:ph type="hdr" sz="quarter"/>
+          </p:nvPr>
+        </p:nvSpPr>
+        <p:spPr>
+          <a:xfrm>
+            <a:off x="0" y="0"/>
+            <a:ext cx="2971800" cy="458788"/>
+          </a:xfrm>
+          <a:prstGeom prst="rect">
+            <a:avLst/>
+          </a:prstGeom>
+        </p:spPr>
+        <p:txBody>
+          <a:bodyPr vert="horz" lIns="91440" tIns="45720" rIns="91440" bIns="45720" rtlCol="0"/>
+          <a:lstStyle>
+            <a:lvl1pPr algn="l">
+              <a:defRPr sz="1200"/>
+            </a:lvl1pPr>
+          </a:lstStyle>
+          <a:p>
+            <a:endParaRPr lang="zh-CN" altLang="en-US"/>
+          </a:p>
+        </p:txBody>
+      </p:sp>
+      <p:sp>
+        <p:nvSpPr>
+          <p:cNvPr id="3" name="日期占位符 2"/>
+          <p:cNvSpPr>
+            <a:spLocks noGrp="1"/>
+          </p:cNvSpPr>
+          <p:nvPr>
+            <p:ph type="dt" idx="1"/>
+          </p:nvPr>
+        </p:nvSpPr>
+        <p:spPr>
+          <a:xfrm>
+            <a:off x="3884613" y="0"/>
+            <a:ext cx="2971800" cy="458788"/>
+          </a:xfrm>
+          <a:prstGeom prst="rect">
+            <a:avLst/>
+          </a:prstGeom>
+        </p:spPr>
+        <p:txBody>
+          <a:bodyPr vert="horz" lIns="91440" tIns="45720" rIns="91440" bIns="45720" rtlCol="0"/>
+          <a:lstStyle>
+            <a:lvl1pPr algn="r">
+              <a:defRPr sz="1200"/>
+            </a:lvl1pPr>
+          </a:lstStyle>
+          <a:p>
+            <a:fld id="{7E2213BD-EFE8-47F1-932D-1D1CF95CC5CF}" type="datetimeFigureOut">
+              <a:rPr lang="zh-CN" altLang="en-US" smtClean="0"/>
+              <a:t>2017/12/6</a:t>
+            </a:fld>
+            <a:endParaRPr lang="zh-CN" altLang="en-US"/>
+          </a:p>
+        </p:txBody>
+      </p:sp>
+      <p:sp>
+        <p:nvSpPr>
+          <p:cNvPr id="4" name="幻灯片图像占位符 3"/>
+          <p:cNvSpPr>
+            <a:spLocks noGrp="1" noRot="1" noChangeAspect="1"/>
+          </p:cNvSpPr>
+          <p:nvPr>
+            <p:ph type="sldImg" idx="2"/>
+          </p:nvPr>
+        </p:nvSpPr>
+        <p:spPr>
+          <a:xfrm>
+            <a:off x="685800" y="1143000"/>
+            <a:ext cx="5486400" cy="3086100"/>
+          </a:xfrm>
+          <a:prstGeom prst="rect">
+            <a:avLst/>
+          </a:prstGeom>
+          <a:noFill/>
+          <a:ln w="12700">
+            <a:solidFill>
+              <a:prstClr val="black"/>
+            </a:solidFill>
+          </a:ln>
+        </p:spPr>
+        <p:txBody>
+          <a:bodyPr vert="horz" lIns="91440" tIns="45720" rIns="91440" bIns="45720" rtlCol="0" anchor="ctr"/>
+          <a:lstStyle/>
+          <a:p>
+            <a:endParaRPr lang="zh-CN" altLang="en-US"/>
+          </a:p>
+        </p:txBody>
+      </p:sp>
+      <p:sp>
+        <p:nvSpPr>
+          <p:cNvPr id="5" name="备注占位符 4"/>
+          <p:cNvSpPr>
+            <a:spLocks noGrp="1"/>
+          </p:cNvSpPr>
+          <p:nvPr>
+            <p:ph type="body" sz="quarter" idx="3"/>
+          </p:nvPr>
+        </p:nvSpPr>
+        <p:spPr>
+          <a:xfrm>
+            <a:off x="685800" y="4400550"/>
+            <a:ext cx="5486400" cy="3600450"/>
+          </a:xfrm>
+          <a:prstGeom prst="rect">
+            <a:avLst/>
+          </a:prstGeom>
+        </p:spPr>
+        <p:txBody>
+          <a:bodyPr vert="horz" lIns="91440" tIns="45720" rIns="91440" bIns="45720" rtlCol="0"/>
+          <a:lstStyle/>
+          <a:p>
+            <a:pPr lvl="0"/>
+            <a:r>
+              <a:rPr lang="zh-CN" altLang="en-US" smtClean="0"/>
+              <a:t>编辑母版文本样式</a:t>
+            </a:r>
+          </a:p>
+          <a:p>
+            <a:pPr lvl="1"/>
+            <a:r>
+              <a:rPr lang="zh-CN" altLang="en-US" smtClean="0"/>
+              <a:t>第二级</a:t>
+            </a:r>
+          </a:p>
+          <a:p>
+            <a:pPr lvl="2"/>
+            <a:r>
+              <a:rPr lang="zh-CN" altLang="en-US" smtClean="0"/>
+              <a:t>第三级</a:t>
+            </a:r>
+          </a:p>
+          <a:p>
+            <a:pPr lvl="3"/>
+            <a:r>
+              <a:rPr lang="zh-CN" altLang="en-US" smtClean="0"/>
+              <a:t>第四级</a:t>
+            </a:r>
+          </a:p>
+          <a:p>
+            <a:pPr lvl="4"/>
+            <a:r>
+              <a:rPr lang="zh-CN" altLang="en-US" smtClean="0"/>
+              <a:t>第五级</a:t>
+            </a:r>
+            <a:endParaRPr lang="zh-CN" altLang="en-US"/>
+          </a:p>
+        </p:txBody>
+      </p:sp>
+      <p:sp>
+        <p:nvSpPr>
+          <p:cNvPr id="6" name="页脚占位符 5"/>
+          <p:cNvSpPr>
+            <a:spLocks noGrp="1"/>
+          </p:cNvSpPr>
+          <p:nvPr>
+            <p:ph type="ftr" sz="quarter" idx="4"/>
+          </p:nvPr>
+        </p:nvSpPr>
+        <p:spPr>
+          <a:xfrm>
+            <a:off x="0" y="8685213"/>
+            <a:ext cx="2971800" cy="458787"/>
+          </a:xfrm>
+          <a:prstGeom prst="rect">
+            <a:avLst/>
+          </a:prstGeom>
+        </p:spPr>
+        <p:txBody>
+          <a:bodyPr vert="horz" lIns="91440" tIns="45720" rIns="91440" bIns="45720" rtlCol="0" anchor="b"/>
+          <a:lstStyle>
+            <a:lvl1pPr algn="l">
+              <a:defRPr sz="1200"/>
+            </a:lvl1pPr>
+          </a:lstStyle>
+          <a:p>
+            <a:endParaRPr lang="zh-CN" altLang="en-US"/>
+          </a:p>
+        </p:txBody>
+      </p:sp>
+      <p:sp>
+        <p:nvSpPr>
+          <p:cNvPr id="7" name="灯片编号占位符 6"/>
+          <p:cNvSpPr>
+            <a:spLocks noGrp="1"/>
+          </p:cNvSpPr>
+          <p:nvPr>
+            <p:ph type="sldNum" sz="quarter" idx="5"/>
+          </p:nvPr>
+        </p:nvSpPr>
+        <p:spPr>
+          <a:xfrm>
+            <a:off x="3884613" y="8685213"/>
+            <a:ext cx="2971800" cy="458787"/>
+          </a:xfrm>
+          <a:prstGeom prst="rect">
+            <a:avLst/>
+          </a:prstGeom>
+        </p:spPr>
+        <p:txBody>
+          <a:bodyPr vert="horz" lIns="91440" tIns="45720" rIns="91440" bIns="45720" rtlCol="0" anchor="b"/>
+          <a:lstStyle>
+            <a:lvl1pPr algn="r">
+              <a:defRPr sz="1200"/>
+            </a:lvl1pPr>
+          </a:lstStyle>
+          <a:p>
+            <a:fld id="{7E335515-DD72-457E-B163-F29D2B34BBEB}" type="slidenum">
+              <a:rPr lang="zh-CN" altLang="en-US" smtClean="0"/>
+              <a:t>‹#›</a:t>
+            </a:fld>
+            <a:endParaRPr lang="zh-CN" altLang="en-US"/>
+          </a:p>
+        </p:txBody>
+      </p:sp>
+    </p:spTree>
+    <p:extLst>
+      <p:ext uri="{BB962C8B-B14F-4D97-AF65-F5344CB8AC3E}">
+        <p14:creationId xmlns:p14="http://schemas.microsoft.com/office/powerpoint/2010/main" val="3859161513"/>
+      </p:ext>
+    </p:extLst>
+  </p:cSld>
+  <p:clrMap bg1="lt1" tx1="dk1" bg2="lt2" tx2="dk2" accent1="accent1" accent2="accent2" accent3="accent3" accent4="accent4" accent5="accent5" accent6="accent6" hlink="hlink" folHlink="folHlink"/>
+  <p:notesStyle>
+    <a:lvl1pPr marL="0" algn="l" defTabSz="914400" rtl="0" eaLnBrk="1" latinLnBrk="0" hangingPunct="1">
+      <a:defRPr sz="1200" kern="1200">
+        <a:solidFill>
+          <a:schemeClr val="tx1"/>
+        </a:solidFill>
+        <a:latin typeface="+mn-lt"/>
+        <a:ea typeface="+mn-ea"/>
+        <a:cs typeface="+mn-cs"/>
+      </a:defRPr>
+    </a:lvl1pPr>
+    <a:lvl2pPr marL="457200" algn="l" defTabSz="914400" rtl="0" eaLnBrk="1" latinLnBrk="0" hangingPunct="1">
+      <a:defRPr sz="1200" kern="1200">
+        <a:solidFill>
+          <a:schemeClr val="tx1"/>
+        </a:solidFill>
+        <a:latin typeface="+mn-lt"/>
+        <a:ea typeface="+mn-ea"/>
+        <a:cs typeface="+mn-cs"/>
+      </a:defRPr>
+    </a:lvl2pPr>
+    <a:lvl3pPr marL="914400" algn="l" defTabSz="914400" rtl="0" eaLnBrk="1" latinLnBrk="0" hangingPunct="1">
+      <a:defRPr sz="1200" kern="1200">
+        <a:solidFill>
+          <a:schemeClr val="tx1"/>
+        </a:solidFill>
+        <a:latin typeface="+mn-lt"/>
+        <a:ea typeface="+mn-ea"/>
+        <a:cs typeface="+mn-cs"/>
+      </a:defRPr>
+    </a:lvl3pPr>
+    <a:lvl4pPr marL="1371600" algn="l" defTabSz="914400" rtl="0" eaLnBrk="1" latinLnBrk="0" hangingPunct="1">
+      <a:defRPr sz="1200" kern="1200">
+        <a:solidFill>
+          <a:schemeClr val="tx1"/>
+        </a:solidFill>
+        <a:latin typeface="+mn-lt"/>
+        <a:ea typeface="+mn-ea"/>
+        <a:cs typeface="+mn-cs"/>
+      </a:defRPr>
+    </a:lvl4pPr>
+    <a:lvl5pPr marL="1828800" algn="l" defTabSz="914400" rtl="0" eaLnBrk="1" latinLnBrk="0" hangingPunct="1">
+      <a:defRPr sz="1200" kern="1200">
+        <a:solidFill>
+          <a:schemeClr val="tx1"/>
+        </a:solidFill>
+        <a:latin typeface="+mn-lt"/>
+        <a:ea typeface="+mn-ea"/>
+        <a:cs typeface="+mn-cs"/>
+      </a:defRPr>
+    </a:lvl5pPr>
+    <a:lvl6pPr marL="2286000" algn="l" defTabSz="914400" rtl="0" eaLnBrk="1" latinLnBrk="0" hangingPunct="1">
+      <a:defRPr sz="1200" kern="1200">
+        <a:solidFill>
+          <a:schemeClr val="tx1"/>
+        </a:solidFill>
+        <a:latin typeface="+mn-lt"/>
+        <a:ea typeface="+mn-ea"/>
+        <a:cs typeface="+mn-cs"/>
+      </a:defRPr>
+    </a:lvl6pPr>
+    <a:lvl7pPr marL="2743200" algn="l" defTabSz="914400" rtl="0" eaLnBrk="1" latinLnBrk="0" hangingPunct="1">
+      <a:defRPr sz="1200" kern="1200">
+        <a:solidFill>
+          <a:schemeClr val="tx1"/>
+        </a:solidFill>
+        <a:latin typeface="+mn-lt"/>
+        <a:ea typeface="+mn-ea"/>
+        <a:cs typeface="+mn-cs"/>
+      </a:defRPr>
+    </a:lvl7pPr>
+    <a:lvl8pPr marL="3200400" algn="l" defTabSz="914400" rtl="0" eaLnBrk="1" latinLnBrk="0" hangingPunct="1">
+      <a:defRPr sz="1200" kern="1200">
+        <a:solidFill>
+          <a:schemeClr val="tx1"/>
+        </a:solidFill>
+        <a:latin typeface="+mn-lt"/>
+        <a:ea typeface="+mn-ea"/>
+        <a:cs typeface="+mn-cs"/>
+      </a:defRPr>
+    </a:lvl8pPr>
+    <a:lvl9pPr marL="3657600" algn="l" defTabSz="914400" rtl="0" eaLnBrk="1" latinLnBrk="0" hangingPunct="1">
+      <a:defRPr sz="1200" kern="1200">
+        <a:solidFill>
+          <a:schemeClr val="tx1"/>
+        </a:solidFill>
+        <a:latin typeface="+mn-lt"/>
+        <a:ea typeface="+mn-ea"/>
+        <a:cs typeface="+mn-cs"/>
+      </a:defRPr>
+    </a:lvl9pPr>
+  </p:notesStyle>
+</p:notesMaster>
+</file>
+
+<file path=ppt/notesSlides/notesSlide1.xml><?xml version="1.0" encoding="utf-8"?>
+<p:notes xmlns:a="http://schemas.openxmlformats.org/drawingml/2006/main" xmlns:r="http://schemas.openxmlformats.org/officeDocument/2006/relationships" xmlns:p="http://schemas.openxmlformats.org/presentationml/2006/main">
+  <p:cSld>
+    <p:spTree>
+      <p:nvGrpSpPr>
+        <p:cNvPr id="1" name=""/>
+        <p:cNvGrpSpPr/>
+        <p:nvPr/>
+      </p:nvGrpSpPr>
+      <p:grpSpPr>
+        <a:xfrm>
+          <a:off x="0" y="0"/>
+          <a:ext cx="0" cy="0"/>
+          <a:chOff x="0" y="0"/>
+          <a:chExt cx="0" cy="0"/>
+        </a:xfrm>
+      </p:grpSpPr>
+      <p:sp>
+        <p:nvSpPr>
+          <p:cNvPr id="2" name="幻灯片图像占位符 1"/>
+          <p:cNvSpPr>
+            <a:spLocks noGrp="1" noRot="1" noChangeAspect="1"/>
+          </p:cNvSpPr>
+          <p:nvPr>
+            <p:ph type="sldImg"/>
+          </p:nvPr>
+        </p:nvSpPr>
+        <p:spPr/>
+      </p:sp>
+      <p:sp>
+        <p:nvSpPr>
+          <p:cNvPr id="3" name="备注占位符 2"/>
+          <p:cNvSpPr>
+            <a:spLocks noGrp="1"/>
+          </p:cNvSpPr>
+          <p:nvPr>
+            <p:ph type="body" idx="1"/>
+          </p:nvPr>
+        </p:nvSpPr>
+        <p:spPr/>
+        <p:txBody>
+          <a:bodyPr/>
+          <a:lstStyle/>
+          <a:p>
+            <a:r>
+              <a:rPr lang="zh-CN" altLang="en-US" sz="1200" b="0" i="0" kern="1200" dirty="0" smtClean="0">
+                <a:solidFill>
+                  <a:schemeClr val="tx1"/>
+                </a:solidFill>
+                <a:effectLst/>
+                <a:latin typeface="+mn-lt"/>
+                <a:ea typeface="+mn-ea"/>
+                <a:cs typeface="+mn-cs"/>
+              </a:rPr>
+              <a:t>比如搜索一个人的身份证号，我们的智能搜索引擎可以返回与这个人相关的所有联系人信息、行为特征和每一个实体的标签（比如黑名单，同业等）。另外，可视化的好处不言而喻，通过可视化把复杂的信息以非常直观的方式呈现出来， 使得我们对隐藏信息的来龙去脉一目了然。</a:t>
+            </a:r>
+            <a:endParaRPr lang="en-US" altLang="zh-CN" sz="1200" b="0" i="0" kern="1200" dirty="0" smtClean="0">
+              <a:solidFill>
+                <a:schemeClr val="tx1"/>
+              </a:solidFill>
+              <a:effectLst/>
+              <a:latin typeface="+mn-lt"/>
+              <a:ea typeface="+mn-ea"/>
+              <a:cs typeface="+mn-cs"/>
+            </a:endParaRPr>
+          </a:p>
+          <a:p>
+            <a:endParaRPr lang="en-US" altLang="zh-CN" sz="1200" b="0" i="0" kern="1200" dirty="0" smtClean="0">
+              <a:solidFill>
+                <a:schemeClr val="tx1"/>
+              </a:solidFill>
+              <a:effectLst/>
+              <a:latin typeface="+mn-lt"/>
+              <a:ea typeface="+mn-ea"/>
+              <a:cs typeface="+mn-cs"/>
+            </a:endParaRPr>
+          </a:p>
+          <a:p>
+            <a:endParaRPr lang="zh-CN" altLang="en-US" dirty="0"/>
+          </a:p>
+        </p:txBody>
+      </p:sp>
+      <p:sp>
+        <p:nvSpPr>
+          <p:cNvPr id="4" name="灯片编号占位符 3"/>
+          <p:cNvSpPr>
+            <a:spLocks noGrp="1"/>
+          </p:cNvSpPr>
+          <p:nvPr>
+            <p:ph type="sldNum" sz="quarter" idx="10"/>
+          </p:nvPr>
+        </p:nvSpPr>
+        <p:spPr/>
+        <p:txBody>
+          <a:bodyPr/>
+          <a:lstStyle/>
+          <a:p>
+            <a:fld id="{7E335515-DD72-457E-B163-F29D2B34BBEB}" type="slidenum">
+              <a:rPr lang="zh-CN" altLang="en-US" smtClean="0"/>
+              <a:t>6</a:t>
+            </a:fld>
+            <a:endParaRPr lang="zh-CN" altLang="en-US"/>
+          </a:p>
+        </p:txBody>
+      </p:sp>
+    </p:spTree>
+    <p:extLst>
+      <p:ext uri="{BB962C8B-B14F-4D97-AF65-F5344CB8AC3E}">
+        <p14:creationId xmlns:p14="http://schemas.microsoft.com/office/powerpoint/2010/main" val="4010408652"/>
+      </p:ext>
+    </p:extLst>
+  </p:cSld>
+  <p:clrMapOvr>
+    <a:masterClrMapping/>
+  </p:clrMapOvr>
+</p:notes>
 </file>
 
 <file path=ppt/slideLayouts/slideLayout1.xml><?xml version="1.0" encoding="utf-8"?>
@@ -7872,6 +8340,13 @@
       </p:transition>
     </mc:Fallback>
   </mc:AlternateContent>
+  <p:timing>
+    <p:tnLst>
+      <p:par>
+        <p:cTn id="1" dur="indefinite" restart="never" nodeType="tmRoot"/>
+      </p:par>
+    </p:tnLst>
+  </p:timing>
 </p:sld>
 </file>
 
@@ -8112,6 +8587,13 @@
   <p:transition spd="slow">
     <p:push dir="u"/>
   </p:transition>
+  <p:timing>
+    <p:tnLst>
+      <p:par>
+        <p:cTn id="1" dur="indefinite" restart="never" nodeType="tmRoot"/>
+      </p:par>
+    </p:tnLst>
+  </p:timing>
 </p:sld>
 </file>
 
@@ -10403,6 +10885,13 @@
       </p:transition>
     </mc:Fallback>
   </mc:AlternateContent>
+  <p:timing>
+    <p:tnLst>
+      <p:par>
+        <p:cTn id="1" dur="indefinite" restart="never" nodeType="tmRoot"/>
+      </p:par>
+    </p:tnLst>
+  </p:timing>
 </p:sld>
 </file>
 
@@ -11065,6 +11554,13 @@
       </p:transition>
     </mc:Fallback>
   </mc:AlternateContent>
+  <p:timing>
+    <p:tnLst>
+      <p:par>
+        <p:cTn id="1" dur="indefinite" restart="never" nodeType="tmRoot"/>
+      </p:par>
+    </p:tnLst>
+  </p:timing>
 </p:sld>
 </file>
 
@@ -23538,38 +24034,6 @@
           </a:p>
         </p:txBody>
       </p:sp>
-      <p:pic>
-        <p:nvPicPr>
-          <p:cNvPr id="6" name="图片 5">
-            <a:hlinkClick r:id="rId2"/>
-          </p:cNvPr>
-          <p:cNvPicPr>
-            <a:picLocks noChangeAspect="1"/>
-          </p:cNvPicPr>
-          <p:nvPr/>
-        </p:nvPicPr>
-        <p:blipFill>
-          <a:blip r:embed="rId3">
-            <a:extLst>
-              <a:ext uri="{28A0092B-C50C-407E-A947-70E740481C1C}">
-                <a14:useLocalDpi xmlns:a14="http://schemas.microsoft.com/office/drawing/2010/main" val="0"/>
-              </a:ext>
-            </a:extLst>
-          </a:blip>
-          <a:stretch>
-            <a:fillRect/>
-          </a:stretch>
-        </p:blipFill>
-        <p:spPr>
-          <a:xfrm>
-            <a:off x="10435653" y="6528587"/>
-            <a:ext cx="1498452" cy="199794"/>
-          </a:xfrm>
-          <a:prstGeom prst="rect">
-            <a:avLst/>
-          </a:prstGeom>
-        </p:spPr>
-      </p:pic>
     </p:spTree>
     <p:extLst>
       <p:ext uri="{BB962C8B-B14F-4D97-AF65-F5344CB8AC3E}">
@@ -23583,6 +24047,13 @@
   <p:transition spd="slow">
     <p:push dir="u"/>
   </p:transition>
+  <p:timing>
+    <p:tnLst>
+      <p:par>
+        <p:cTn id="1" dur="indefinite" restart="never" nodeType="tmRoot"/>
+      </p:par>
+    </p:tnLst>
+  </p:timing>
 </p:sld>
 </file>
 
@@ -23694,38 +24165,6 @@
           </a:p>
         </p:txBody>
       </p:sp>
-      <p:pic>
-        <p:nvPicPr>
-          <p:cNvPr id="4" name="图片 3">
-            <a:hlinkClick r:id="rId2"/>
-          </p:cNvPr>
-          <p:cNvPicPr>
-            <a:picLocks noChangeAspect="1"/>
-          </p:cNvPicPr>
-          <p:nvPr/>
-        </p:nvPicPr>
-        <p:blipFill>
-          <a:blip r:embed="rId3">
-            <a:extLst>
-              <a:ext uri="{28A0092B-C50C-407E-A947-70E740481C1C}">
-                <a14:useLocalDpi xmlns:a14="http://schemas.microsoft.com/office/drawing/2010/main" val="0"/>
-              </a:ext>
-            </a:extLst>
-          </a:blip>
-          <a:stretch>
-            <a:fillRect/>
-          </a:stretch>
-        </p:blipFill>
-        <p:spPr>
-          <a:xfrm>
-            <a:off x="10435653" y="6528587"/>
-            <a:ext cx="1498452" cy="199794"/>
-          </a:xfrm>
-          <a:prstGeom prst="rect">
-            <a:avLst/>
-          </a:prstGeom>
-        </p:spPr>
-      </p:pic>
       <p:grpSp>
         <p:nvGrpSpPr>
           <p:cNvPr id="13" name="组合 12"/>
@@ -24019,7 +24458,7 @@
         <p:spPr>
           <a:xfrm>
             <a:off x="1041701" y="1004322"/>
-            <a:ext cx="2031325" cy="369332"/>
+            <a:ext cx="1107996" cy="369332"/>
           </a:xfrm>
           <a:prstGeom prst="rect">
             <a:avLst/>
@@ -24033,12 +24472,9 @@
           <a:p>
             <a:r>
               <a:rPr lang="zh-CN" altLang="en-US" dirty="0" smtClean="0"/>
-              <a:t>点击</a:t>
-            </a:r>
-            <a:r>
-              <a:rPr lang="zh-CN" altLang="en-US" dirty="0"/>
-              <a:t>此处添加标题</a:t>
-            </a:r>
+              <a:t>信息爆炸</a:t>
+            </a:r>
+            <a:endParaRPr lang="zh-CN" altLang="en-US" dirty="0"/>
           </a:p>
         </p:txBody>
       </p:sp>
@@ -24051,7 +24487,7 @@
         <p:spPr>
           <a:xfrm>
             <a:off x="959621" y="1481030"/>
-            <a:ext cx="6550312" cy="625171"/>
+            <a:ext cx="6550312" cy="905248"/>
           </a:xfrm>
           <a:prstGeom prst="rect">
             <a:avLst/>
@@ -24078,55 +24514,7 @@
                 <a:latin typeface="微软雅黑" charset="0"/>
                 <a:ea typeface="微软雅黑" charset="0"/>
               </a:rPr>
-              <a:t>标题数字等都可以通过点击和重新输入进行更改，顶部“开始”面板中可以对字体、字号、颜色、行距等进行修改。建议正文</a:t>
-            </a:r>
-            <a:r>
-              <a:rPr lang="en-US" altLang="zh-CN" sz="1400" dirty="0">
-                <a:solidFill>
-                  <a:schemeClr val="bg1">
-                    <a:lumMod val="50000"/>
-                  </a:schemeClr>
-                </a:solidFill>
-                <a:latin typeface="微软雅黑" charset="0"/>
-                <a:ea typeface="微软雅黑" charset="0"/>
-              </a:rPr>
-              <a:t>8-14</a:t>
-            </a:r>
-            <a:r>
-              <a:rPr lang="zh-CN" altLang="en-US" sz="1400" dirty="0">
-                <a:solidFill>
-                  <a:schemeClr val="bg1">
-                    <a:lumMod val="50000"/>
-                  </a:schemeClr>
-                </a:solidFill>
-                <a:latin typeface="微软雅黑" charset="0"/>
-                <a:ea typeface="微软雅黑" charset="0"/>
-              </a:rPr>
-              <a:t>号字，</a:t>
-            </a:r>
-            <a:r>
-              <a:rPr lang="en-US" altLang="zh-CN" sz="1400" dirty="0">
-                <a:solidFill>
-                  <a:schemeClr val="bg1">
-                    <a:lumMod val="50000"/>
-                  </a:schemeClr>
-                </a:solidFill>
-                <a:latin typeface="微软雅黑" charset="0"/>
-                <a:ea typeface="微软雅黑" charset="0"/>
-              </a:rPr>
-              <a:t>1.3</a:t>
-            </a:r>
-            <a:r>
-              <a:rPr lang="zh-CN" altLang="en-US" sz="1400" dirty="0">
-                <a:solidFill>
-                  <a:schemeClr val="bg1">
-                    <a:lumMod val="50000"/>
-                  </a:schemeClr>
-                </a:solidFill>
-                <a:latin typeface="微软雅黑" charset="0"/>
-                <a:ea typeface="微软雅黑" charset="0"/>
-              </a:rPr>
-              <a:t>倍字间距。</a:t>
+              <a:t>现代科学技术的突飞猛进，并伴随国际互联网络发展而在世界上的迅速传播，导致全球知识呈爆炸式的增长，数据量的爆炸式增长使得人们获取有效信息越来越困难</a:t>
             </a:r>
           </a:p>
         </p:txBody>
@@ -24139,7 +24527,7 @@
         </p:nvGrpSpPr>
         <p:grpSpPr>
           <a:xfrm>
-            <a:off x="910794" y="2213577"/>
+            <a:off x="920319" y="2594577"/>
             <a:ext cx="2300757" cy="509896"/>
             <a:chOff x="888096" y="1000203"/>
             <a:chExt cx="4259825" cy="944066"/>
@@ -24423,8 +24811,8 @@
         </p:nvSpPr>
         <p:spPr>
           <a:xfrm>
-            <a:off x="1041701" y="2288953"/>
-            <a:ext cx="2031325" cy="369332"/>
+            <a:off x="1051226" y="2669953"/>
+            <a:ext cx="1292341" cy="369332"/>
           </a:xfrm>
           <a:prstGeom prst="rect">
             <a:avLst/>
@@ -24437,13 +24825,18 @@
           <a:lstStyle/>
           <a:p>
             <a:r>
-              <a:rPr lang="zh-CN" altLang="en-US" dirty="0" smtClean="0"/>
-              <a:t>点击</a:t>
-            </a:r>
-            <a:r>
-              <a:rPr lang="zh-CN" altLang="en-US" dirty="0"/>
-              <a:t>此处添加标题</a:t>
-            </a:r>
+              <a:rPr lang="zh-CN" altLang="zh-CN" dirty="0" smtClean="0"/>
+              <a:t>搜索</a:t>
+            </a:r>
+            <a:r>
+              <a:rPr lang="en-US" altLang="zh-CN" dirty="0"/>
+              <a:t>&amp;</a:t>
+            </a:r>
+            <a:r>
+              <a:rPr lang="zh-CN" altLang="zh-CN" dirty="0" smtClean="0"/>
+              <a:t>推荐</a:t>
+            </a:r>
+            <a:endParaRPr lang="zh-CN" altLang="en-US" dirty="0"/>
           </a:p>
         </p:txBody>
       </p:sp>
@@ -24455,8 +24848,8 @@
         </p:nvSpPr>
         <p:spPr>
           <a:xfrm>
-            <a:off x="959621" y="2765661"/>
-            <a:ext cx="6550312" cy="625171"/>
+            <a:off x="969146" y="3146661"/>
+            <a:ext cx="6550312" cy="932563"/>
           </a:xfrm>
           <a:prstGeom prst="rect">
             <a:avLst/>
@@ -24483,7 +24876,7 @@
                 <a:latin typeface="微软雅黑" charset="0"/>
                 <a:ea typeface="微软雅黑" charset="0"/>
               </a:rPr>
-              <a:t>标题数字等都可以通过点击和重新输入进行更改，顶部“开始”面板中可以对字体、字号、颜色、行距等进行修改。建议正文</a:t>
+              <a:t>搜索</a:t>
             </a:r>
             <a:r>
               <a:rPr lang="en-US" altLang="zh-CN" sz="1400" dirty="0">
@@ -24495,7 +24888,19 @@
                 <a:latin typeface="微软雅黑" charset="0"/>
                 <a:ea typeface="微软雅黑" charset="0"/>
               </a:rPr>
-              <a:t>8-14</a:t>
+              <a:t>&amp;</a:t>
+            </a:r>
+            <a:r>
+              <a:rPr lang="zh-CN" altLang="en-US" sz="1400" dirty="0" smtClean="0">
+                <a:solidFill>
+                  <a:schemeClr val="bg1">
+                    <a:lumMod val="50000"/>
+                  </a:schemeClr>
+                </a:solidFill>
+                <a:latin typeface="微软雅黑" charset="0"/>
+                <a:ea typeface="微软雅黑" charset="0"/>
+              </a:rPr>
+              <a:t>推荐成为了目前人们获取</a:t>
             </a:r>
             <a:r>
               <a:rPr lang="zh-CN" altLang="en-US" sz="1400" dirty="0">
@@ -24507,31 +24912,7 @@
                 <a:latin typeface="微软雅黑" charset="0"/>
                 <a:ea typeface="微软雅黑" charset="0"/>
               </a:rPr>
-              <a:t>号字，</a:t>
-            </a:r>
-            <a:r>
-              <a:rPr lang="en-US" altLang="zh-CN" sz="1400" dirty="0">
-                <a:solidFill>
-                  <a:schemeClr val="bg1">
-                    <a:lumMod val="50000"/>
-                  </a:schemeClr>
-                </a:solidFill>
-                <a:latin typeface="微软雅黑" charset="0"/>
-                <a:ea typeface="微软雅黑" charset="0"/>
-              </a:rPr>
-              <a:t>1.3</a:t>
-            </a:r>
-            <a:r>
-              <a:rPr lang="zh-CN" altLang="en-US" sz="1400" dirty="0">
-                <a:solidFill>
-                  <a:schemeClr val="bg1">
-                    <a:lumMod val="50000"/>
-                  </a:schemeClr>
-                </a:solidFill>
-                <a:latin typeface="微软雅黑" charset="0"/>
-                <a:ea typeface="微软雅黑" charset="0"/>
-              </a:rPr>
-              <a:t>倍字间距。</a:t>
+              <a:t>知识、信息的基本手段。如何有效、快速、准确地在信息海洋中找到人们所需要的信息，使之成为重要资源，已是信息时代人们的重要需求，因而，信息检索技术在信息社会中将发挥越来越重要的作用。</a:t>
             </a:r>
           </a:p>
         </p:txBody>
@@ -24544,7 +24925,7 @@
         </p:nvGrpSpPr>
         <p:grpSpPr>
           <a:xfrm>
-            <a:off x="910794" y="3492642"/>
+            <a:off x="929844" y="4263343"/>
             <a:ext cx="2300757" cy="509896"/>
             <a:chOff x="888096" y="1000203"/>
             <a:chExt cx="4259825" cy="944066"/>
@@ -24828,8 +25209,8 @@
         </p:nvSpPr>
         <p:spPr>
           <a:xfrm>
-            <a:off x="1041701" y="3568018"/>
-            <a:ext cx="2031325" cy="369332"/>
+            <a:off x="1060751" y="4338719"/>
+            <a:ext cx="1107996" cy="369332"/>
           </a:xfrm>
           <a:prstGeom prst="rect">
             <a:avLst/>
@@ -24843,12 +25224,9 @@
           <a:p>
             <a:r>
               <a:rPr lang="zh-CN" altLang="en-US" dirty="0" smtClean="0"/>
-              <a:t>点击</a:t>
-            </a:r>
-            <a:r>
-              <a:rPr lang="zh-CN" altLang="en-US" dirty="0"/>
-              <a:t>此处添加标题</a:t>
-            </a:r>
+              <a:t>知识图谱</a:t>
+            </a:r>
+            <a:endParaRPr lang="zh-CN" altLang="en-US" dirty="0"/>
           </a:p>
         </p:txBody>
       </p:sp>
@@ -24860,8 +25238,8 @@
         </p:nvSpPr>
         <p:spPr>
           <a:xfrm>
-            <a:off x="959621" y="4044726"/>
-            <a:ext cx="6550312" cy="625171"/>
+            <a:off x="978671" y="4815427"/>
+            <a:ext cx="6550312" cy="1492716"/>
           </a:xfrm>
           <a:prstGeom prst="rect">
             <a:avLst/>
@@ -24879,6 +25257,18 @@
               </a:lnSpc>
             </a:pPr>
             <a:r>
+              <a:rPr lang="en-US" altLang="zh-CN" sz="1400" dirty="0">
+                <a:solidFill>
+                  <a:schemeClr val="bg1">
+                    <a:lumMod val="50000"/>
+                  </a:schemeClr>
+                </a:solidFill>
+                <a:latin typeface="微软雅黑" charset="0"/>
+                <a:ea typeface="微软雅黑" charset="0"/>
+              </a:rPr>
+              <a:t>2012</a:t>
+            </a:r>
+            <a:r>
               <a:rPr lang="zh-CN" altLang="en-US" sz="1400" dirty="0">
                 <a:solidFill>
                   <a:schemeClr val="bg1">
@@ -24888,7 +25278,7 @@
                 <a:latin typeface="微软雅黑" charset="0"/>
                 <a:ea typeface="微软雅黑" charset="0"/>
               </a:rPr>
-              <a:t>标题数字等都可以通过点击和重新输入进行更改，顶部“开始”面板中可以对字体、字号、颜色、行距等进行修改。建议正文</a:t>
+              <a:t>年</a:t>
             </a:r>
             <a:r>
               <a:rPr lang="en-US" altLang="zh-CN" sz="1400" dirty="0">
@@ -24900,7 +25290,7 @@
                 <a:latin typeface="微软雅黑" charset="0"/>
                 <a:ea typeface="微软雅黑" charset="0"/>
               </a:rPr>
-              <a:t>8-14</a:t>
+              <a:t>5</a:t>
             </a:r>
             <a:r>
               <a:rPr lang="zh-CN" altLang="en-US" sz="1400" dirty="0">
@@ -24912,7 +25302,7 @@
                 <a:latin typeface="微软雅黑" charset="0"/>
                 <a:ea typeface="微软雅黑" charset="0"/>
               </a:rPr>
-              <a:t>号字，</a:t>
+              <a:t>月，搜索引擎巨头谷歌在它的搜索页面中首次引入“知识图谱”：用户除了得到搜索网页链接外，还将看到与查询词有关的更加智能化的答案。知识图谱本质上是语义网络，是一种基于图的数据结构。其结点代表实体</a:t>
             </a:r>
             <a:r>
               <a:rPr lang="en-US" altLang="zh-CN" sz="1400" dirty="0">
@@ -24924,7 +25314,7 @@
                 <a:latin typeface="微软雅黑" charset="0"/>
                 <a:ea typeface="微软雅黑" charset="0"/>
               </a:rPr>
-              <a:t>1.3</a:t>
+              <a:t>(entity)</a:t>
             </a:r>
             <a:r>
               <a:rPr lang="zh-CN" altLang="en-US" sz="1400" dirty="0">
@@ -24936,353 +25326,20 @@
                 <a:latin typeface="微软雅黑" charset="0"/>
                 <a:ea typeface="微软雅黑" charset="0"/>
               </a:rPr>
-              <a:t>倍字间距。</a:t>
-            </a:r>
-          </a:p>
-        </p:txBody>
-      </p:sp>
-      <p:grpSp>
-        <p:nvGrpSpPr>
-          <p:cNvPr id="35" name="组合 34"/>
-          <p:cNvGrpSpPr/>
-          <p:nvPr/>
-        </p:nvGrpSpPr>
-        <p:grpSpPr>
-          <a:xfrm>
-            <a:off x="910794" y="4777273"/>
-            <a:ext cx="2300757" cy="509896"/>
-            <a:chOff x="888096" y="1000203"/>
-            <a:chExt cx="4259825" cy="944066"/>
-          </a:xfrm>
-        </p:grpSpPr>
-        <p:sp>
-          <p:nvSpPr>
-            <p:cNvPr id="36" name="矩形 35"/>
-            <p:cNvSpPr/>
-            <p:nvPr/>
-          </p:nvSpPr>
-          <p:spPr>
-            <a:xfrm>
-              <a:off x="911225" y="1045634"/>
-              <a:ext cx="4199467" cy="872066"/>
-            </a:xfrm>
-            <a:prstGeom prst="rect">
-              <a:avLst/>
-            </a:prstGeom>
-            <a:noFill/>
-            <a:ln>
-              <a:solidFill>
-                <a:schemeClr val="bg1">
-                  <a:lumMod val="75000"/>
-                </a:schemeClr>
-              </a:solidFill>
-            </a:ln>
-          </p:spPr>
-          <p:style>
-            <a:lnRef idx="2">
-              <a:schemeClr val="accent1">
-                <a:shade val="50000"/>
-              </a:schemeClr>
-            </a:lnRef>
-            <a:fillRef idx="1">
-              <a:schemeClr val="accent1"/>
-            </a:fillRef>
-            <a:effectRef idx="0">
-              <a:schemeClr val="accent1"/>
-            </a:effectRef>
-            <a:fontRef idx="minor">
-              <a:schemeClr val="lt1"/>
-            </a:fontRef>
-          </p:style>
-          <p:txBody>
-            <a:bodyPr rot="0" spcFirstLastPara="0" vertOverflow="overflow" horzOverflow="overflow" vert="horz" wrap="square" lIns="91440" tIns="45720" rIns="91440" bIns="45720" numCol="1" spcCol="0" rtlCol="0" fromWordArt="0" anchor="ctr" anchorCtr="0" forceAA="0" compatLnSpc="1">
-              <a:prstTxWarp prst="textNoShape">
-                <a:avLst/>
-              </a:prstTxWarp>
-              <a:noAutofit/>
-            </a:bodyPr>
-            <a:lstStyle/>
-            <a:p>
-              <a:pPr algn="ctr"/>
-              <a:endParaRPr lang="zh-CN" altLang="en-US"/>
-            </a:p>
-          </p:txBody>
-        </p:sp>
-        <p:sp>
-          <p:nvSpPr>
-            <p:cNvPr id="37" name="椭圆 36"/>
-            <p:cNvSpPr/>
-            <p:nvPr/>
-          </p:nvSpPr>
-          <p:spPr>
-            <a:xfrm>
-              <a:off x="888096" y="1000203"/>
-              <a:ext cx="72000" cy="72000"/>
-            </a:xfrm>
-            <a:prstGeom prst="ellipse">
-              <a:avLst/>
-            </a:prstGeom>
-            <a:solidFill>
-              <a:schemeClr val="tx1">
-                <a:lumMod val="65000"/>
-                <a:lumOff val="35000"/>
-              </a:schemeClr>
-            </a:solidFill>
-            <a:ln>
-              <a:noFill/>
-            </a:ln>
-          </p:spPr>
-          <p:style>
-            <a:lnRef idx="2">
-              <a:schemeClr val="accent1">
-                <a:shade val="50000"/>
-              </a:schemeClr>
-            </a:lnRef>
-            <a:fillRef idx="1">
-              <a:schemeClr val="accent1"/>
-            </a:fillRef>
-            <a:effectRef idx="0">
-              <a:schemeClr val="accent1"/>
-            </a:effectRef>
-            <a:fontRef idx="minor">
-              <a:schemeClr val="lt1"/>
-            </a:fontRef>
-          </p:style>
-          <p:txBody>
-            <a:bodyPr rot="0" spcFirstLastPara="0" vertOverflow="overflow" horzOverflow="overflow" vert="horz" wrap="square" lIns="91440" tIns="45720" rIns="91440" bIns="45720" numCol="1" spcCol="0" rtlCol="0" fromWordArt="0" anchor="ctr" anchorCtr="0" forceAA="0" compatLnSpc="1">
-              <a:prstTxWarp prst="textNoShape">
-                <a:avLst/>
-              </a:prstTxWarp>
-              <a:noAutofit/>
-            </a:bodyPr>
-            <a:lstStyle/>
-            <a:p>
-              <a:pPr algn="ctr"/>
-              <a:endParaRPr lang="zh-CN" altLang="en-US"/>
-            </a:p>
-          </p:txBody>
-        </p:sp>
-        <p:sp>
-          <p:nvSpPr>
-            <p:cNvPr id="38" name="椭圆 37"/>
-            <p:cNvSpPr/>
-            <p:nvPr/>
-          </p:nvSpPr>
-          <p:spPr>
-            <a:xfrm>
-              <a:off x="888096" y="1872269"/>
-              <a:ext cx="72000" cy="72000"/>
-            </a:xfrm>
-            <a:prstGeom prst="ellipse">
-              <a:avLst/>
-            </a:prstGeom>
-            <a:solidFill>
-              <a:schemeClr val="tx1">
-                <a:lumMod val="65000"/>
-                <a:lumOff val="35000"/>
-              </a:schemeClr>
-            </a:solidFill>
-            <a:ln>
-              <a:noFill/>
-            </a:ln>
-          </p:spPr>
-          <p:style>
-            <a:lnRef idx="2">
-              <a:schemeClr val="accent1">
-                <a:shade val="50000"/>
-              </a:schemeClr>
-            </a:lnRef>
-            <a:fillRef idx="1">
-              <a:schemeClr val="accent1"/>
-            </a:fillRef>
-            <a:effectRef idx="0">
-              <a:schemeClr val="accent1"/>
-            </a:effectRef>
-            <a:fontRef idx="minor">
-              <a:schemeClr val="lt1"/>
-            </a:fontRef>
-          </p:style>
-          <p:txBody>
-            <a:bodyPr rot="0" spcFirstLastPara="0" vertOverflow="overflow" horzOverflow="overflow" vert="horz" wrap="square" lIns="91440" tIns="45720" rIns="91440" bIns="45720" numCol="1" spcCol="0" rtlCol="0" fromWordArt="0" anchor="ctr" anchorCtr="0" forceAA="0" compatLnSpc="1">
-              <a:prstTxWarp prst="textNoShape">
-                <a:avLst/>
-              </a:prstTxWarp>
-              <a:noAutofit/>
-            </a:bodyPr>
-            <a:lstStyle/>
-            <a:p>
-              <a:pPr algn="ctr"/>
-              <a:endParaRPr lang="zh-CN" altLang="en-US"/>
-            </a:p>
-          </p:txBody>
-        </p:sp>
-        <p:sp>
-          <p:nvSpPr>
-            <p:cNvPr id="39" name="椭圆 38"/>
-            <p:cNvSpPr/>
-            <p:nvPr/>
-          </p:nvSpPr>
-          <p:spPr>
-            <a:xfrm>
-              <a:off x="5075921" y="1872269"/>
-              <a:ext cx="72000" cy="72000"/>
-            </a:xfrm>
-            <a:prstGeom prst="ellipse">
-              <a:avLst/>
-            </a:prstGeom>
-            <a:solidFill>
-              <a:schemeClr val="tx1">
-                <a:lumMod val="65000"/>
-                <a:lumOff val="35000"/>
-              </a:schemeClr>
-            </a:solidFill>
-            <a:ln>
-              <a:noFill/>
-            </a:ln>
-          </p:spPr>
-          <p:style>
-            <a:lnRef idx="2">
-              <a:schemeClr val="accent1">
-                <a:shade val="50000"/>
-              </a:schemeClr>
-            </a:lnRef>
-            <a:fillRef idx="1">
-              <a:schemeClr val="accent1"/>
-            </a:fillRef>
-            <a:effectRef idx="0">
-              <a:schemeClr val="accent1"/>
-            </a:effectRef>
-            <a:fontRef idx="minor">
-              <a:schemeClr val="lt1"/>
-            </a:fontRef>
-          </p:style>
-          <p:txBody>
-            <a:bodyPr rot="0" spcFirstLastPara="0" vertOverflow="overflow" horzOverflow="overflow" vert="horz" wrap="square" lIns="91440" tIns="45720" rIns="91440" bIns="45720" numCol="1" spcCol="0" rtlCol="0" fromWordArt="0" anchor="ctr" anchorCtr="0" forceAA="0" compatLnSpc="1">
-              <a:prstTxWarp prst="textNoShape">
-                <a:avLst/>
-              </a:prstTxWarp>
-              <a:noAutofit/>
-            </a:bodyPr>
-            <a:lstStyle/>
-            <a:p>
-              <a:pPr algn="ctr"/>
-              <a:endParaRPr lang="zh-CN" altLang="en-US"/>
-            </a:p>
-          </p:txBody>
-        </p:sp>
-        <p:sp>
-          <p:nvSpPr>
-            <p:cNvPr id="40" name="椭圆 39"/>
-            <p:cNvSpPr/>
-            <p:nvPr/>
-          </p:nvSpPr>
-          <p:spPr>
-            <a:xfrm>
-              <a:off x="5074692" y="1009634"/>
-              <a:ext cx="72000" cy="72000"/>
-            </a:xfrm>
-            <a:prstGeom prst="ellipse">
-              <a:avLst/>
-            </a:prstGeom>
-            <a:solidFill>
-              <a:schemeClr val="tx1">
-                <a:lumMod val="65000"/>
-                <a:lumOff val="35000"/>
-              </a:schemeClr>
-            </a:solidFill>
-            <a:ln>
-              <a:noFill/>
-            </a:ln>
-          </p:spPr>
-          <p:style>
-            <a:lnRef idx="2">
-              <a:schemeClr val="accent1">
-                <a:shade val="50000"/>
-              </a:schemeClr>
-            </a:lnRef>
-            <a:fillRef idx="1">
-              <a:schemeClr val="accent1"/>
-            </a:fillRef>
-            <a:effectRef idx="0">
-              <a:schemeClr val="accent1"/>
-            </a:effectRef>
-            <a:fontRef idx="minor">
-              <a:schemeClr val="lt1"/>
-            </a:fontRef>
-          </p:style>
-          <p:txBody>
-            <a:bodyPr rot="0" spcFirstLastPara="0" vertOverflow="overflow" horzOverflow="overflow" vert="horz" wrap="square" lIns="91440" tIns="45720" rIns="91440" bIns="45720" numCol="1" spcCol="0" rtlCol="0" fromWordArt="0" anchor="ctr" anchorCtr="0" forceAA="0" compatLnSpc="1">
-              <a:prstTxWarp prst="textNoShape">
-                <a:avLst/>
-              </a:prstTxWarp>
-              <a:noAutofit/>
-            </a:bodyPr>
-            <a:lstStyle/>
-            <a:p>
-              <a:pPr algn="ctr"/>
-              <a:endParaRPr lang="zh-CN" altLang="en-US"/>
-            </a:p>
-          </p:txBody>
-        </p:sp>
-      </p:grpSp>
-      <p:sp>
-        <p:nvSpPr>
-          <p:cNvPr id="41" name="矩形 40"/>
-          <p:cNvSpPr/>
-          <p:nvPr/>
-        </p:nvSpPr>
-        <p:spPr>
-          <a:xfrm>
-            <a:off x="1041701" y="4852649"/>
-            <a:ext cx="2031325" cy="369332"/>
-          </a:xfrm>
-          <a:prstGeom prst="rect">
-            <a:avLst/>
-          </a:prstGeom>
-        </p:spPr>
-        <p:txBody>
-          <a:bodyPr wrap="none">
-            <a:spAutoFit/>
-          </a:bodyPr>
-          <a:lstStyle/>
-          <a:p>
-            <a:r>
-              <a:rPr lang="zh-CN" altLang="en-US" dirty="0" smtClean="0"/>
-              <a:t>点击</a:t>
-            </a:r>
-            <a:r>
-              <a:rPr lang="zh-CN" altLang="en-US" dirty="0"/>
-              <a:t>此处添加标题</a:t>
-            </a:r>
-          </a:p>
-        </p:txBody>
-      </p:sp>
-      <p:sp>
-        <p:nvSpPr>
-          <p:cNvPr id="42" name="矩形 41"/>
-          <p:cNvSpPr/>
-          <p:nvPr/>
-        </p:nvSpPr>
-        <p:spPr>
-          <a:xfrm>
-            <a:off x="959621" y="5329357"/>
-            <a:ext cx="6550312" cy="625171"/>
-          </a:xfrm>
-          <a:prstGeom prst="rect">
-            <a:avLst/>
-          </a:prstGeom>
-        </p:spPr>
-        <p:txBody>
-          <a:bodyPr wrap="square">
-            <a:spAutoFit/>
-          </a:bodyPr>
-          <a:lstStyle/>
-          <a:p>
-            <a:pPr>
-              <a:lnSpc>
-                <a:spcPct val="130000"/>
-              </a:lnSpc>
-            </a:pPr>
+              <a:t>或者概念</a:t>
+            </a:r>
+            <a:r>
+              <a:rPr lang="en-US" altLang="zh-CN" sz="1400" dirty="0">
+                <a:solidFill>
+                  <a:schemeClr val="bg1">
+                    <a:lumMod val="50000"/>
+                  </a:schemeClr>
+                </a:solidFill>
+                <a:latin typeface="微软雅黑" charset="0"/>
+                <a:ea typeface="微软雅黑" charset="0"/>
+              </a:rPr>
+              <a:t>(concept)</a:t>
+            </a:r>
             <a:r>
               <a:rPr lang="zh-CN" altLang="en-US" sz="1400" dirty="0">
                 <a:solidFill>
@@ -25293,7 +25350,7 @@
                 <a:latin typeface="微软雅黑" charset="0"/>
                 <a:ea typeface="微软雅黑" charset="0"/>
               </a:rPr>
-              <a:t>标题数字等都可以通过点击和重新输入进行更改，顶部“开始”面板中可以对字体、字号、颜色、行距等进行修改。建议正文</a:t>
+              <a:t>，边代表实体</a:t>
             </a:r>
             <a:r>
               <a:rPr lang="en-US" altLang="zh-CN" sz="1400" dirty="0">
@@ -25305,7 +25362,7 @@
                 <a:latin typeface="微软雅黑" charset="0"/>
                 <a:ea typeface="微软雅黑" charset="0"/>
               </a:rPr>
-              <a:t>8-14</a:t>
+              <a:t>/</a:t>
             </a:r>
             <a:r>
               <a:rPr lang="zh-CN" altLang="en-US" sz="1400" dirty="0">
@@ -25317,10 +25374,10 @@
                 <a:latin typeface="微软雅黑" charset="0"/>
                 <a:ea typeface="微软雅黑" charset="0"/>
               </a:rPr>
-              <a:t>号字，</a:t>
-            </a:r>
-            <a:r>
-              <a:rPr lang="en-US" altLang="zh-CN" sz="1400" dirty="0">
+              <a:t>概念之间的各种语义关系。搜索引擎中使用知识</a:t>
+            </a:r>
+            <a:r>
+              <a:rPr lang="zh-CN" altLang="en-US" sz="1400" dirty="0" smtClean="0">
                 <a:solidFill>
                   <a:schemeClr val="bg1">
                     <a:lumMod val="50000"/>
@@ -25329,7 +25386,7 @@
                 <a:latin typeface="微软雅黑" charset="0"/>
                 <a:ea typeface="微软雅黑" charset="0"/>
               </a:rPr>
-              <a:t>1.3</a:t>
+              <a:t>图谱可用</a:t>
             </a:r>
             <a:r>
               <a:rPr lang="zh-CN" altLang="en-US" sz="1400" dirty="0">
@@ -25341,7 +25398,7 @@
                 <a:latin typeface="微软雅黑" charset="0"/>
                 <a:ea typeface="微软雅黑" charset="0"/>
               </a:rPr>
-              <a:t>倍字间距。</a:t>
+              <a:t>来更好地查询复杂的关联信息，从语义层面理解用户意图，改进搜索质量。</a:t>
             </a:r>
           </a:p>
         </p:txBody>
@@ -25368,6 +25425,13 @@
       </p:transition>
     </mc:Fallback>
   </mc:AlternateContent>
+  <p:timing>
+    <p:tnLst>
+      <p:par>
+        <p:cTn id="1" dur="indefinite" restart="never" nodeType="tmRoot"/>
+      </p:par>
+    </p:tnLst>
+  </p:timing>
 </p:sld>
 </file>
 
@@ -25479,66 +25543,6 @@
           </a:p>
         </p:txBody>
       </p:sp>
-      <p:pic>
-        <p:nvPicPr>
-          <p:cNvPr id="4" name="图片 3">
-            <a:hlinkClick r:id="rId2"/>
-          </p:cNvPr>
-          <p:cNvPicPr>
-            <a:picLocks noChangeAspect="1"/>
-          </p:cNvPicPr>
-          <p:nvPr/>
-        </p:nvPicPr>
-        <p:blipFill>
-          <a:blip r:embed="rId3">
-            <a:extLst>
-              <a:ext uri="{28A0092B-C50C-407E-A947-70E740481C1C}">
-                <a14:useLocalDpi xmlns:a14="http://schemas.microsoft.com/office/drawing/2010/main" val="0"/>
-              </a:ext>
-            </a:extLst>
-          </a:blip>
-          <a:stretch>
-            <a:fillRect/>
-          </a:stretch>
-        </p:blipFill>
-        <p:spPr>
-          <a:xfrm>
-            <a:off x="10435653" y="6528587"/>
-            <a:ext cx="1498452" cy="199794"/>
-          </a:xfrm>
-          <a:prstGeom prst="rect">
-            <a:avLst/>
-          </a:prstGeom>
-        </p:spPr>
-      </p:pic>
-      <p:sp>
-        <p:nvSpPr>
-          <p:cNvPr id="5" name="矩形 4"/>
-          <p:cNvSpPr/>
-          <p:nvPr/>
-        </p:nvSpPr>
-        <p:spPr>
-          <a:xfrm>
-            <a:off x="950374" y="1373200"/>
-            <a:ext cx="4319324" cy="769441"/>
-          </a:xfrm>
-          <a:prstGeom prst="rect">
-            <a:avLst/>
-          </a:prstGeom>
-        </p:spPr>
-        <p:txBody>
-          <a:bodyPr wrap="none">
-            <a:spAutoFit/>
-          </a:bodyPr>
-          <a:lstStyle/>
-          <a:p>
-            <a:r>
-              <a:rPr lang="en-US" altLang="zh-CN" sz="4400" dirty="0"/>
-              <a:t>ADD YOUR TEXT</a:t>
-            </a:r>
-          </a:p>
-        </p:txBody>
-      </p:sp>
       <p:sp>
         <p:nvSpPr>
           <p:cNvPr id="6" name="矩形 5"/>
@@ -25547,23 +25551,24 @@
         </p:nvSpPr>
         <p:spPr>
           <a:xfrm>
-            <a:off x="950374" y="2041041"/>
-            <a:ext cx="3057247" cy="523220"/>
+            <a:off x="950374" y="869596"/>
+            <a:ext cx="3766824" cy="523220"/>
           </a:xfrm>
           <a:prstGeom prst="rect">
             <a:avLst/>
           </a:prstGeom>
         </p:spPr>
         <p:txBody>
-          <a:bodyPr wrap="none">
+          <a:bodyPr wrap="square">
             <a:spAutoFit/>
           </a:bodyPr>
           <a:lstStyle/>
           <a:p>
             <a:r>
-              <a:rPr lang="zh-CN" altLang="en-US" sz="2800" dirty="0"/>
-              <a:t>点击此处添加标题</a:t>
-            </a:r>
+              <a:rPr lang="zh-CN" altLang="en-US" sz="2800" dirty="0" smtClean="0"/>
+              <a:t>知识图谱的基本概念</a:t>
+            </a:r>
+            <a:endParaRPr lang="zh-CN" altLang="en-US" sz="2800" dirty="0"/>
           </a:p>
         </p:txBody>
       </p:sp>
@@ -25575,8 +25580,8 @@
         </p:nvSpPr>
         <p:spPr>
           <a:xfrm>
-            <a:off x="959621" y="2810482"/>
-            <a:ext cx="6550312" cy="625171"/>
+            <a:off x="959621" y="1619857"/>
+            <a:ext cx="6717529" cy="2052870"/>
           </a:xfrm>
           <a:prstGeom prst="rect">
             <a:avLst/>
@@ -25594,6 +25599,42 @@
               </a:lnSpc>
             </a:pPr>
             <a:r>
+              <a:rPr lang="en-US" altLang="zh-CN" sz="1400" dirty="0">
+                <a:solidFill>
+                  <a:schemeClr val="bg1">
+                    <a:lumMod val="50000"/>
+                  </a:schemeClr>
+                </a:solidFill>
+                <a:latin typeface="微软雅黑" charset="0"/>
+                <a:ea typeface="微软雅黑" charset="0"/>
+              </a:rPr>
+              <a:t> </a:t>
+            </a:r>
+            <a:r>
+              <a:rPr lang="en-US" altLang="zh-CN" sz="1400" dirty="0" smtClean="0">
+                <a:solidFill>
+                  <a:schemeClr val="bg1">
+                    <a:lumMod val="50000"/>
+                  </a:schemeClr>
+                </a:solidFill>
+                <a:latin typeface="微软雅黑" charset="0"/>
+                <a:ea typeface="微软雅黑" charset="0"/>
+              </a:rPr>
+              <a:t>       </a:t>
+            </a:r>
+            <a:r>
+              <a:rPr lang="zh-CN" altLang="en-US" sz="1400" dirty="0" smtClean="0">
+                <a:solidFill>
+                  <a:schemeClr val="bg1">
+                    <a:lumMod val="50000"/>
+                  </a:schemeClr>
+                </a:solidFill>
+                <a:latin typeface="微软雅黑" charset="0"/>
+                <a:ea typeface="微软雅黑" charset="0"/>
+              </a:rPr>
+              <a:t>一</a:t>
+            </a:r>
+            <a:r>
               <a:rPr lang="zh-CN" altLang="en-US" sz="1400" dirty="0">
                 <a:solidFill>
                   <a:schemeClr val="bg1">
@@ -25603,7 +25644,31 @@
                 <a:latin typeface="微软雅黑" charset="0"/>
                 <a:ea typeface="微软雅黑" charset="0"/>
               </a:rPr>
-              <a:t>标题数字等都可以通过点击和重新输入进行更改，顶部“开始”面板中可以对字体、字号、颜色、行距等进行修改。建议正文</a:t>
+              <a:t>条</a:t>
+            </a:r>
+            <a:r>
+              <a:rPr lang="zh-CN" altLang="en-US" sz="1400" dirty="0" smtClean="0">
+                <a:solidFill>
+                  <a:schemeClr val="bg1">
+                    <a:lumMod val="50000"/>
+                  </a:schemeClr>
+                </a:solidFill>
+                <a:latin typeface="微软雅黑" charset="0"/>
+                <a:ea typeface="微软雅黑" charset="0"/>
+              </a:rPr>
+              <a:t>知识可以</a:t>
+            </a:r>
+            <a:r>
+              <a:rPr lang="zh-CN" altLang="en-US" sz="1400" dirty="0">
+                <a:solidFill>
+                  <a:schemeClr val="bg1">
+                    <a:lumMod val="50000"/>
+                  </a:schemeClr>
+                </a:solidFill>
+                <a:latin typeface="微软雅黑" charset="0"/>
+                <a:ea typeface="微软雅黑" charset="0"/>
+              </a:rPr>
+              <a:t>表示为一个三元组</a:t>
             </a:r>
             <a:r>
               <a:rPr lang="en-US" altLang="zh-CN" sz="1400" dirty="0">
@@ -25615,7 +25680,31 @@
                 <a:latin typeface="微软雅黑" charset="0"/>
                 <a:ea typeface="微软雅黑" charset="0"/>
               </a:rPr>
-              <a:t>8-14</a:t>
+              <a:t>(</a:t>
+            </a:r>
+            <a:r>
+              <a:rPr lang="en-US" altLang="zh-CN" sz="1400" dirty="0" err="1">
+                <a:solidFill>
+                  <a:schemeClr val="bg1">
+                    <a:lumMod val="50000"/>
+                  </a:schemeClr>
+                </a:solidFill>
+                <a:latin typeface="微软雅黑" charset="0"/>
+                <a:ea typeface="微软雅黑" charset="0"/>
+              </a:rPr>
+              <a:t>sub,rel,obj</a:t>
+            </a:r>
+            <a:r>
+              <a:rPr lang="en-US" altLang="zh-CN" sz="1400" dirty="0">
+                <a:solidFill>
+                  <a:schemeClr val="bg1">
+                    <a:lumMod val="50000"/>
+                  </a:schemeClr>
+                </a:solidFill>
+                <a:latin typeface="微软雅黑" charset="0"/>
+                <a:ea typeface="微软雅黑" charset="0"/>
+              </a:rPr>
+              <a:t>)</a:t>
             </a:r>
             <a:r>
               <a:rPr lang="zh-CN" altLang="en-US" sz="1400" dirty="0">
@@ -25627,7 +25716,187 @@
                 <a:latin typeface="微软雅黑" charset="0"/>
                 <a:ea typeface="微软雅黑" charset="0"/>
               </a:rPr>
-              <a:t>号字，</a:t>
+              <a:t>。举个例子</a:t>
+            </a:r>
+            <a:r>
+              <a:rPr lang="zh-CN" altLang="en-US" sz="1400" dirty="0" smtClean="0">
+                <a:solidFill>
+                  <a:schemeClr val="bg1">
+                    <a:lumMod val="50000"/>
+                  </a:schemeClr>
+                </a:solidFill>
+                <a:latin typeface="微软雅黑" charset="0"/>
+                <a:ea typeface="微软雅黑" charset="0"/>
+              </a:rPr>
+              <a:t>：李四的</a:t>
+            </a:r>
+            <a:r>
+              <a:rPr lang="zh-CN" altLang="en-US" sz="1400" dirty="0">
+                <a:solidFill>
+                  <a:schemeClr val="bg1">
+                    <a:lumMod val="50000"/>
+                  </a:schemeClr>
+                </a:solidFill>
+                <a:latin typeface="微软雅黑" charset="0"/>
+                <a:ea typeface="微软雅黑" charset="0"/>
+              </a:rPr>
+              <a:t>爸爸</a:t>
+            </a:r>
+            <a:r>
+              <a:rPr lang="zh-CN" altLang="en-US" sz="1400" dirty="0" smtClean="0">
+                <a:solidFill>
+                  <a:schemeClr val="bg1">
+                    <a:lumMod val="50000"/>
+                  </a:schemeClr>
+                </a:solidFill>
+                <a:latin typeface="微软雅黑" charset="0"/>
+                <a:ea typeface="微软雅黑" charset="0"/>
+              </a:rPr>
+              <a:t>是</a:t>
+            </a:r>
+            <a:r>
+              <a:rPr lang="zh-CN" altLang="en-US" sz="1400" dirty="0">
+                <a:solidFill>
+                  <a:schemeClr val="bg1">
+                    <a:lumMod val="50000"/>
+                  </a:schemeClr>
+                </a:solidFill>
+                <a:latin typeface="微软雅黑" charset="0"/>
+                <a:ea typeface="微软雅黑" charset="0"/>
+              </a:rPr>
+              <a:t>张三</a:t>
+            </a:r>
+            <a:r>
+              <a:rPr lang="zh-CN" altLang="en-US" sz="1400" dirty="0" smtClean="0">
+                <a:solidFill>
+                  <a:schemeClr val="bg1">
+                    <a:lumMod val="50000"/>
+                  </a:schemeClr>
+                </a:solidFill>
+                <a:latin typeface="微软雅黑" charset="0"/>
+                <a:ea typeface="微软雅黑" charset="0"/>
+              </a:rPr>
+              <a:t>，</a:t>
+            </a:r>
+            <a:r>
+              <a:rPr lang="zh-CN" altLang="en-US" sz="1400" dirty="0">
+                <a:solidFill>
+                  <a:schemeClr val="bg1">
+                    <a:lumMod val="50000"/>
+                  </a:schemeClr>
+                </a:solidFill>
+                <a:latin typeface="微软雅黑" charset="0"/>
+                <a:ea typeface="微软雅黑" charset="0"/>
+              </a:rPr>
+              <a:t>表示成三元组是</a:t>
+            </a:r>
+            <a:r>
+              <a:rPr lang="zh-CN" altLang="en-US" sz="1400" dirty="0" smtClean="0">
+                <a:solidFill>
+                  <a:schemeClr val="bg1">
+                    <a:lumMod val="50000"/>
+                  </a:schemeClr>
+                </a:solidFill>
+                <a:latin typeface="微软雅黑" charset="0"/>
+                <a:ea typeface="微软雅黑" charset="0"/>
+              </a:rPr>
+              <a:t>（</a:t>
+            </a:r>
+            <a:r>
+              <a:rPr lang="zh-CN" altLang="en-US" sz="1400" dirty="0">
+                <a:solidFill>
+                  <a:schemeClr val="bg1">
+                    <a:lumMod val="50000"/>
+                  </a:schemeClr>
+                </a:solidFill>
+                <a:latin typeface="微软雅黑" charset="0"/>
+                <a:ea typeface="微软雅黑" charset="0"/>
+              </a:rPr>
+              <a:t>张三</a:t>
+            </a:r>
+            <a:r>
+              <a:rPr lang="zh-CN" altLang="en-US" sz="1400" dirty="0" smtClean="0">
+                <a:solidFill>
+                  <a:schemeClr val="bg1">
+                    <a:lumMod val="50000"/>
+                  </a:schemeClr>
+                </a:solidFill>
+                <a:latin typeface="微软雅黑" charset="0"/>
+                <a:ea typeface="微软雅黑" charset="0"/>
+              </a:rPr>
+              <a:t>，</a:t>
+            </a:r>
+            <a:r>
+              <a:rPr lang="en-US" altLang="zh-CN" sz="1400" dirty="0" smtClean="0">
+                <a:solidFill>
+                  <a:schemeClr val="bg1">
+                    <a:lumMod val="50000"/>
+                  </a:schemeClr>
+                </a:solidFill>
+                <a:latin typeface="微软雅黑" charset="0"/>
+                <a:ea typeface="微软雅黑" charset="0"/>
+              </a:rPr>
+              <a:t>_</a:t>
+            </a:r>
+            <a:r>
+              <a:rPr lang="en-US" altLang="zh-CN" sz="1400" dirty="0" err="1" smtClean="0">
+                <a:solidFill>
+                  <a:schemeClr val="bg1">
+                    <a:lumMod val="50000"/>
+                  </a:schemeClr>
+                </a:solidFill>
+                <a:latin typeface="微软雅黑" charset="0"/>
+                <a:ea typeface="微软雅黑" charset="0"/>
+              </a:rPr>
+              <a:t>father_of</a:t>
+            </a:r>
+            <a:r>
+              <a:rPr lang="zh-CN" altLang="en-US" sz="1400" dirty="0" smtClean="0">
+                <a:solidFill>
+                  <a:schemeClr val="bg1">
+                    <a:lumMod val="50000"/>
+                  </a:schemeClr>
+                </a:solidFill>
+                <a:latin typeface="微软雅黑" charset="0"/>
+                <a:ea typeface="微软雅黑" charset="0"/>
+              </a:rPr>
+              <a:t>，</a:t>
+            </a:r>
+            <a:r>
+              <a:rPr lang="zh-CN" altLang="en-US" sz="1400" dirty="0">
+                <a:solidFill>
+                  <a:schemeClr val="bg1">
+                    <a:lumMod val="50000"/>
+                  </a:schemeClr>
+                </a:solidFill>
+                <a:latin typeface="微软雅黑" charset="0"/>
+                <a:ea typeface="微软雅黑" charset="0"/>
+              </a:rPr>
+              <a:t>李四</a:t>
+            </a:r>
+            <a:r>
+              <a:rPr lang="zh-CN" altLang="en-US" sz="1400" dirty="0" smtClean="0">
+                <a:solidFill>
+                  <a:schemeClr val="bg1">
+                    <a:lumMod val="50000"/>
+                  </a:schemeClr>
+                </a:solidFill>
+                <a:latin typeface="微软雅黑" charset="0"/>
+                <a:ea typeface="微软雅黑" charset="0"/>
+              </a:rPr>
+              <a:t>）</a:t>
+            </a:r>
+            <a:r>
+              <a:rPr lang="zh-CN" altLang="en-US" sz="1400" dirty="0">
+                <a:solidFill>
+                  <a:schemeClr val="bg1">
+                    <a:lumMod val="50000"/>
+                  </a:schemeClr>
+                </a:solidFill>
+                <a:latin typeface="微软雅黑" charset="0"/>
+                <a:ea typeface="微软雅黑" charset="0"/>
+              </a:rPr>
+              <a:t>。前者是主体，中间是关系，后者是客体。主体和客体统称为实体（</a:t>
             </a:r>
             <a:r>
               <a:rPr lang="en-US" altLang="zh-CN" sz="1400" dirty="0">
@@ -25639,7 +25908,7 @@
                 <a:latin typeface="微软雅黑" charset="0"/>
                 <a:ea typeface="微软雅黑" charset="0"/>
               </a:rPr>
-              <a:t>1.3</a:t>
+              <a:t>entity</a:t>
             </a:r>
             <a:r>
               <a:rPr lang="zh-CN" altLang="en-US" sz="1400" dirty="0">
@@ -25651,31 +25920,46 @@
                 <a:latin typeface="微软雅黑" charset="0"/>
                 <a:ea typeface="微软雅黑" charset="0"/>
               </a:rPr>
-              <a:t>倍字间距。</a:t>
-            </a:r>
+              <a:t>）。关系有一个属性，不可逆，也就是说主体和客体不能颠倒过来</a:t>
+            </a:r>
+            <a:r>
+              <a:rPr lang="zh-CN" altLang="en-US" sz="1400" dirty="0" smtClean="0">
+                <a:solidFill>
+                  <a:schemeClr val="bg1">
+                    <a:lumMod val="50000"/>
+                  </a:schemeClr>
+                </a:solidFill>
+                <a:latin typeface="微软雅黑" charset="0"/>
+                <a:ea typeface="微软雅黑" charset="0"/>
+              </a:rPr>
+              <a:t>。</a:t>
+            </a:r>
+            <a:endParaRPr lang="en-US" altLang="zh-CN" sz="1400" dirty="0" smtClean="0">
+              <a:solidFill>
+                <a:schemeClr val="bg1">
+                  <a:lumMod val="50000"/>
+                </a:schemeClr>
+              </a:solidFill>
+              <a:latin typeface="微软雅黑" charset="0"/>
+              <a:ea typeface="微软雅黑" charset="0"/>
+            </a:endParaRPr>
           </a:p>
-        </p:txBody>
-      </p:sp>
-      <p:sp>
-        <p:nvSpPr>
-          <p:cNvPr id="8" name="矩形 7"/>
-          <p:cNvSpPr/>
-          <p:nvPr/>
-        </p:nvSpPr>
-        <p:spPr>
-          <a:xfrm>
-            <a:off x="959621" y="3549798"/>
-            <a:ext cx="6550312" cy="625171"/>
-          </a:xfrm>
-          <a:prstGeom prst="rect">
-            <a:avLst/>
-          </a:prstGeom>
-        </p:spPr>
-        <p:txBody>
-          <a:bodyPr wrap="square">
-            <a:spAutoFit/>
-          </a:bodyPr>
-          <a:lstStyle/>
+          <a:p>
+            <a:pPr>
+              <a:lnSpc>
+                <a:spcPct val="130000"/>
+              </a:lnSpc>
+            </a:pPr>
+            <a:endParaRPr lang="zh-CN" altLang="en-US" sz="1400" dirty="0">
+              <a:solidFill>
+                <a:schemeClr val="bg1">
+                  <a:lumMod val="50000"/>
+                </a:schemeClr>
+              </a:solidFill>
+              <a:latin typeface="微软雅黑" charset="0"/>
+              <a:ea typeface="微软雅黑" charset="0"/>
+            </a:endParaRPr>
+          </a:p>
           <a:p>
             <a:pPr>
               <a:lnSpc>
@@ -25692,7 +25976,31 @@
                 <a:latin typeface="微软雅黑" charset="0"/>
                 <a:ea typeface="微软雅黑" charset="0"/>
               </a:rPr>
-              <a:t>标题数字等都可以通过点击和重新输入进行更改，顶部“开始”面板中可以对字体、字号、颜色、行距等进行修改。建议正文</a:t>
+              <a:t>       </a:t>
+            </a:r>
+            <a:r>
+              <a:rPr lang="zh-CN" altLang="en-US" sz="1400" dirty="0" smtClean="0">
+                <a:solidFill>
+                  <a:schemeClr val="bg1">
+                    <a:lumMod val="50000"/>
+                  </a:schemeClr>
+                </a:solidFill>
+                <a:latin typeface="微软雅黑" charset="0"/>
+                <a:ea typeface="微软雅黑" charset="0"/>
+              </a:rPr>
+              <a:t>知识的</a:t>
+            </a:r>
+            <a:r>
+              <a:rPr lang="zh-CN" altLang="en-US" sz="1400" dirty="0">
+                <a:solidFill>
+                  <a:schemeClr val="bg1">
+                    <a:lumMod val="50000"/>
+                  </a:schemeClr>
+                </a:solidFill>
+                <a:latin typeface="微软雅黑" charset="0"/>
+                <a:ea typeface="微软雅黑" charset="0"/>
+              </a:rPr>
+              <a:t>集合，链接起来成为一个图（</a:t>
             </a:r>
             <a:r>
               <a:rPr lang="en-US" altLang="zh-CN" sz="1400" dirty="0">
@@ -25704,7 +26012,7 @@
                 <a:latin typeface="微软雅黑" charset="0"/>
                 <a:ea typeface="微软雅黑" charset="0"/>
               </a:rPr>
-              <a:t>8-14</a:t>
+              <a:t>graph</a:t>
             </a:r>
             <a:r>
               <a:rPr lang="zh-CN" altLang="en-US" sz="1400" dirty="0">
@@ -25716,7 +26024,7 @@
                 <a:latin typeface="微软雅黑" charset="0"/>
                 <a:ea typeface="微软雅黑" charset="0"/>
               </a:rPr>
-              <a:t>号字，</a:t>
+              <a:t>），每个节点是一个一个实体，每条边是一个关系，或者说是一个事实（</a:t>
             </a:r>
             <a:r>
               <a:rPr lang="en-US" altLang="zh-CN" sz="1400" dirty="0">
@@ -25728,7 +26036,7 @@
                 <a:latin typeface="微软雅黑" charset="0"/>
                 <a:ea typeface="微软雅黑" charset="0"/>
               </a:rPr>
-              <a:t>1.3</a:t>
+              <a:t>fact</a:t>
             </a:r>
             <a:r>
               <a:rPr lang="zh-CN" altLang="en-US" sz="1400" dirty="0">
@@ -25740,100 +26048,35 @@
                 <a:latin typeface="微软雅黑" charset="0"/>
                 <a:ea typeface="微软雅黑" charset="0"/>
               </a:rPr>
-              <a:t>倍字间距。</a:t>
+              <a:t>）。也就是有向图，主体指向客体。</a:t>
             </a:r>
           </a:p>
         </p:txBody>
       </p:sp>
-      <p:sp>
-        <p:nvSpPr>
-          <p:cNvPr id="9" name="矩形 8"/>
-          <p:cNvSpPr/>
+      <p:pic>
+        <p:nvPicPr>
+          <p:cNvPr id="11" name="图片 10"/>
+          <p:cNvPicPr>
+            <a:picLocks noChangeAspect="1"/>
+          </p:cNvPicPr>
           <p:nvPr/>
-        </p:nvSpPr>
+        </p:nvPicPr>
+        <p:blipFill>
+          <a:blip r:embed="rId2"/>
+          <a:stretch>
+            <a:fillRect/>
+          </a:stretch>
+        </p:blipFill>
         <p:spPr>
           <a:xfrm>
-            <a:off x="959621" y="4289114"/>
-            <a:ext cx="6550312" cy="625171"/>
+            <a:off x="1108460" y="3952875"/>
+            <a:ext cx="6267450" cy="2324100"/>
           </a:xfrm>
           <a:prstGeom prst="rect">
             <a:avLst/>
           </a:prstGeom>
         </p:spPr>
-        <p:txBody>
-          <a:bodyPr wrap="square">
-            <a:spAutoFit/>
-          </a:bodyPr>
-          <a:lstStyle/>
-          <a:p>
-            <a:pPr>
-              <a:lnSpc>
-                <a:spcPct val="130000"/>
-              </a:lnSpc>
-            </a:pPr>
-            <a:r>
-              <a:rPr lang="zh-CN" altLang="en-US" sz="1400" dirty="0">
-                <a:solidFill>
-                  <a:schemeClr val="bg1">
-                    <a:lumMod val="50000"/>
-                  </a:schemeClr>
-                </a:solidFill>
-                <a:latin typeface="微软雅黑" charset="0"/>
-                <a:ea typeface="微软雅黑" charset="0"/>
-              </a:rPr>
-              <a:t>标题数字等都可以通过点击和重新输入进行更改，顶部“开始”面板中可以对字体、字号、颜色、行距等进行修改。建议正文</a:t>
-            </a:r>
-            <a:r>
-              <a:rPr lang="en-US" altLang="zh-CN" sz="1400" dirty="0">
-                <a:solidFill>
-                  <a:schemeClr val="bg1">
-                    <a:lumMod val="50000"/>
-                  </a:schemeClr>
-                </a:solidFill>
-                <a:latin typeface="微软雅黑" charset="0"/>
-                <a:ea typeface="微软雅黑" charset="0"/>
-              </a:rPr>
-              <a:t>8-14</a:t>
-            </a:r>
-            <a:r>
-              <a:rPr lang="zh-CN" altLang="en-US" sz="1400" dirty="0">
-                <a:solidFill>
-                  <a:schemeClr val="bg1">
-                    <a:lumMod val="50000"/>
-                  </a:schemeClr>
-                </a:solidFill>
-                <a:latin typeface="微软雅黑" charset="0"/>
-                <a:ea typeface="微软雅黑" charset="0"/>
-              </a:rPr>
-              <a:t>号字，</a:t>
-            </a:r>
-            <a:r>
-              <a:rPr lang="en-US" altLang="zh-CN" sz="1400" dirty="0">
-                <a:solidFill>
-                  <a:schemeClr val="bg1">
-                    <a:lumMod val="50000"/>
-                  </a:schemeClr>
-                </a:solidFill>
-                <a:latin typeface="微软雅黑" charset="0"/>
-                <a:ea typeface="微软雅黑" charset="0"/>
-              </a:rPr>
-              <a:t>1.3</a:t>
-            </a:r>
-            <a:r>
-              <a:rPr lang="zh-CN" altLang="en-US" sz="1400" dirty="0">
-                <a:solidFill>
-                  <a:schemeClr val="bg1">
-                    <a:lumMod val="50000"/>
-                  </a:schemeClr>
-                </a:solidFill>
-                <a:latin typeface="微软雅黑" charset="0"/>
-                <a:ea typeface="微软雅黑" charset="0"/>
-              </a:rPr>
-              <a:t>倍字间距。</a:t>
-            </a:r>
-          </a:p>
-        </p:txBody>
-      </p:sp>
+      </p:pic>
     </p:spTree>
     <p:extLst>
       <p:ext uri="{BB962C8B-B14F-4D97-AF65-F5344CB8AC3E}">
@@ -25856,6 +26099,13 @@
       </p:transition>
     </mc:Fallback>
   </mc:AlternateContent>
+  <p:timing>
+    <p:tnLst>
+      <p:par>
+        <p:cTn id="1" dur="indefinite" restart="never" nodeType="tmRoot"/>
+      </p:par>
+    </p:tnLst>
+  </p:timing>
 </p:sld>
 </file>
 
@@ -25967,38 +26217,6 @@
           </a:p>
         </p:txBody>
       </p:sp>
-      <p:pic>
-        <p:nvPicPr>
-          <p:cNvPr id="4" name="图片 3">
-            <a:hlinkClick r:id="rId2"/>
-          </p:cNvPr>
-          <p:cNvPicPr>
-            <a:picLocks noChangeAspect="1"/>
-          </p:cNvPicPr>
-          <p:nvPr/>
-        </p:nvPicPr>
-        <p:blipFill>
-          <a:blip r:embed="rId3">
-            <a:extLst>
-              <a:ext uri="{28A0092B-C50C-407E-A947-70E740481C1C}">
-                <a14:useLocalDpi xmlns:a14="http://schemas.microsoft.com/office/drawing/2010/main" val="0"/>
-              </a:ext>
-            </a:extLst>
-          </a:blip>
-          <a:stretch>
-            <a:fillRect/>
-          </a:stretch>
-        </p:blipFill>
-        <p:spPr>
-          <a:xfrm>
-            <a:off x="10435653" y="6528587"/>
-            <a:ext cx="1498452" cy="199794"/>
-          </a:xfrm>
-          <a:prstGeom prst="rect">
-            <a:avLst/>
-          </a:prstGeom>
-        </p:spPr>
-      </p:pic>
       <p:sp>
         <p:nvSpPr>
           <p:cNvPr id="5" name="矩形 4"/>
@@ -26022,8 +26240,13 @@
           <a:p>
             <a:r>
               <a:rPr lang="zh-CN" altLang="en-US" sz="2800" b="1" dirty="0"/>
-              <a:t>点击此处添加标题</a:t>
-            </a:r>
+              <a:t>知识</a:t>
+            </a:r>
+            <a:r>
+              <a:rPr lang="zh-CN" altLang="en-US" sz="2800" b="1" dirty="0" smtClean="0"/>
+              <a:t>图谱相关应用</a:t>
+            </a:r>
+            <a:endParaRPr lang="zh-CN" altLang="en-US" sz="2800" b="1" dirty="0"/>
           </a:p>
         </p:txBody>
       </p:sp>
@@ -28781,8 +29004,8 @@
         </p:nvSpPr>
         <p:spPr>
           <a:xfrm>
-            <a:off x="4635786" y="2821913"/>
-            <a:ext cx="1620957" cy="307777"/>
+            <a:off x="4994858" y="2862701"/>
+            <a:ext cx="902811" cy="307777"/>
           </a:xfrm>
           <a:prstGeom prst="rect">
             <a:avLst/>
@@ -28796,7 +29019,7 @@
           <a:p>
             <a:r>
               <a:rPr lang="zh-CN" altLang="en-US" sz="1400" b="1" dirty="0"/>
-              <a:t>点击此处添加标题</a:t>
+              <a:t>查询理解</a:t>
             </a:r>
           </a:p>
         </p:txBody>
@@ -28810,7 +29033,7 @@
         <p:spPr>
           <a:xfrm>
             <a:off x="4149061" y="3066437"/>
-            <a:ext cx="2594406" cy="972574"/>
+            <a:ext cx="2594406" cy="1192634"/>
           </a:xfrm>
           <a:prstGeom prst="rect">
             <a:avLst/>
@@ -28837,10 +29060,10 @@
                 <a:latin typeface="微软雅黑" charset="0"/>
                 <a:ea typeface="微软雅黑" charset="0"/>
               </a:rPr>
-              <a:t>标题数字等都可以通过点击和重新输入进行更改，顶部“开始”面板中可以对字体、字号、颜色、行距等进行修改。建议正文</a:t>
-            </a:r>
-            <a:r>
-              <a:rPr lang="en-US" altLang="zh-CN" sz="1100" dirty="0">
+              <a:t>谷歌等搜索引擎巨头之所以致力于构建大规模知识图谱，其重要目标之一就是能够更好地理解用户输入的查询</a:t>
+            </a:r>
+            <a:r>
+              <a:rPr lang="zh-CN" altLang="en-US" sz="1100" dirty="0" smtClean="0">
                 <a:solidFill>
                   <a:schemeClr val="bg1">
                     <a:lumMod val="50000"/>
@@ -28849,44 +29072,17 @@
                 <a:latin typeface="微软雅黑" charset="0"/>
                 <a:ea typeface="微软雅黑" charset="0"/>
               </a:rPr>
-              <a:t>8-14</a:t>
-            </a:r>
-            <a:r>
-              <a:rPr lang="zh-CN" altLang="en-US" sz="1100" dirty="0">
-                <a:solidFill>
-                  <a:schemeClr val="bg1">
-                    <a:lumMod val="50000"/>
-                  </a:schemeClr>
-                </a:solidFill>
-                <a:latin typeface="微软雅黑" charset="0"/>
-                <a:ea typeface="微软雅黑" charset="0"/>
-              </a:rPr>
-              <a:t>号字，</a:t>
-            </a:r>
-            <a:r>
-              <a:rPr lang="en-US" altLang="zh-CN" sz="1100" dirty="0">
-                <a:solidFill>
-                  <a:schemeClr val="bg1">
-                    <a:lumMod val="50000"/>
-                  </a:schemeClr>
-                </a:solidFill>
-                <a:latin typeface="微软雅黑" charset="0"/>
-                <a:ea typeface="微软雅黑" charset="0"/>
-              </a:rPr>
-              <a:t>1.3</a:t>
-            </a:r>
-            <a:r>
-              <a:rPr lang="zh-CN" altLang="en-US" sz="1100" dirty="0">
-                <a:solidFill>
-                  <a:schemeClr val="bg1">
-                    <a:lumMod val="50000"/>
-                  </a:schemeClr>
-                </a:solidFill>
-                <a:latin typeface="微软雅黑" charset="0"/>
-                <a:ea typeface="微软雅黑" charset="0"/>
-              </a:rPr>
-              <a:t>倍字间距。</a:t>
-            </a:r>
+              <a:t>词、并对用户的查询意图进行简单推理以实现更优质的搜索体验</a:t>
+            </a:r>
+            <a:endParaRPr lang="zh-CN" altLang="en-US" sz="1100" dirty="0">
+              <a:solidFill>
+                <a:schemeClr val="bg1">
+                  <a:lumMod val="50000"/>
+                </a:schemeClr>
+              </a:solidFill>
+              <a:latin typeface="微软雅黑" charset="0"/>
+              <a:ea typeface="微软雅黑" charset="0"/>
+            </a:endParaRPr>
           </a:p>
         </p:txBody>
       </p:sp>
@@ -28898,8 +29094,8 @@
         </p:nvSpPr>
         <p:spPr>
           <a:xfrm>
-            <a:off x="8327972" y="2821913"/>
-            <a:ext cx="1620957" cy="307777"/>
+            <a:off x="8678262" y="2831286"/>
+            <a:ext cx="902811" cy="307777"/>
           </a:xfrm>
           <a:prstGeom prst="rect">
             <a:avLst/>
@@ -28913,7 +29109,7 @@
           <a:p>
             <a:r>
               <a:rPr lang="zh-CN" altLang="en-US" sz="1400" b="1" dirty="0"/>
-              <a:t>点击此处添加标题</a:t>
+              <a:t>自动问答</a:t>
             </a:r>
           </a:p>
         </p:txBody>
@@ -28954,10 +29150,10 @@
                 <a:latin typeface="微软雅黑" charset="0"/>
                 <a:ea typeface="微软雅黑" charset="0"/>
               </a:rPr>
-              <a:t>标题数字等都可以通过点击和重新输入进行更改，顶部“开始”面板中可以对字体、字号、颜色、行距等进行修改。建议正文</a:t>
-            </a:r>
-            <a:r>
-              <a:rPr lang="en-US" altLang="zh-CN" sz="1100" dirty="0">
+              <a:t>人们一直在探索比关键词查询更高效的互联网搜索方式。很多学者预测，下一代搜索引擎将能够直接回答人们提出的问题，这种形式被称为自动</a:t>
+            </a:r>
+            <a:r>
+              <a:rPr lang="zh-CN" altLang="en-US" sz="1100" dirty="0" smtClean="0">
                 <a:solidFill>
                   <a:schemeClr val="bg1">
                     <a:lumMod val="50000"/>
@@ -28966,44 +29162,17 @@
                 <a:latin typeface="微软雅黑" charset="0"/>
                 <a:ea typeface="微软雅黑" charset="0"/>
               </a:rPr>
-              <a:t>8-14</a:t>
-            </a:r>
-            <a:r>
-              <a:rPr lang="zh-CN" altLang="en-US" sz="1100" dirty="0">
-                <a:solidFill>
-                  <a:schemeClr val="bg1">
-                    <a:lumMod val="50000"/>
-                  </a:schemeClr>
-                </a:solidFill>
-                <a:latin typeface="微软雅黑" charset="0"/>
-                <a:ea typeface="微软雅黑" charset="0"/>
-              </a:rPr>
-              <a:t>号字，</a:t>
-            </a:r>
-            <a:r>
-              <a:rPr lang="en-US" altLang="zh-CN" sz="1100" dirty="0">
-                <a:solidFill>
-                  <a:schemeClr val="bg1">
-                    <a:lumMod val="50000"/>
-                  </a:schemeClr>
-                </a:solidFill>
-                <a:latin typeface="微软雅黑" charset="0"/>
-                <a:ea typeface="微软雅黑" charset="0"/>
-              </a:rPr>
-              <a:t>1.3</a:t>
-            </a:r>
-            <a:r>
-              <a:rPr lang="zh-CN" altLang="en-US" sz="1100" dirty="0">
-                <a:solidFill>
-                  <a:schemeClr val="bg1">
-                    <a:lumMod val="50000"/>
-                  </a:schemeClr>
-                </a:solidFill>
-                <a:latin typeface="微软雅黑" charset="0"/>
-                <a:ea typeface="微软雅黑" charset="0"/>
-              </a:rPr>
-              <a:t>倍字间距。</a:t>
-            </a:r>
+              <a:t>问答</a:t>
+            </a:r>
+            <a:endParaRPr lang="zh-CN" altLang="en-US" sz="1100" dirty="0">
+              <a:solidFill>
+                <a:schemeClr val="bg1">
+                  <a:lumMod val="50000"/>
+                </a:schemeClr>
+              </a:solidFill>
+              <a:latin typeface="微软雅黑" charset="0"/>
+              <a:ea typeface="微软雅黑" charset="0"/>
+            </a:endParaRPr>
           </a:p>
         </p:txBody>
       </p:sp>
@@ -29015,8 +29184,8 @@
         </p:nvSpPr>
         <p:spPr>
           <a:xfrm>
-            <a:off x="4635786" y="4990242"/>
-            <a:ext cx="1620957" cy="307777"/>
+            <a:off x="4994858" y="4948724"/>
+            <a:ext cx="902811" cy="307777"/>
           </a:xfrm>
           <a:prstGeom prst="rect">
             <a:avLst/>
@@ -29030,8 +29199,9 @@
           <a:p>
             <a:r>
               <a:rPr lang="zh-CN" altLang="en-US" sz="1400" b="1" dirty="0"/>
-              <a:t>点击此处添加标题</a:t>
-            </a:r>
+              <a:t>文档表示</a:t>
+            </a:r>
+            <a:endParaRPr lang="zh-CN" altLang="en-US" sz="1400" b="1" dirty="0"/>
           </a:p>
         </p:txBody>
       </p:sp>
@@ -29044,7 +29214,7 @@
         <p:spPr>
           <a:xfrm>
             <a:off x="4149061" y="5234766"/>
-            <a:ext cx="2594406" cy="972574"/>
+            <a:ext cx="2594406" cy="1171218"/>
           </a:xfrm>
           <a:prstGeom prst="rect">
             <a:avLst/>
@@ -29071,56 +29241,17 @@
                 <a:latin typeface="微软雅黑" charset="0"/>
                 <a:ea typeface="微软雅黑" charset="0"/>
               </a:rPr>
-              <a:t>标题数字等都可以通过点击和重新输入进行更改，顶部“开始”面板中可以对字体、字号、颜色、行距等进行修改。建议正文</a:t>
-            </a:r>
-            <a:r>
-              <a:rPr lang="en-US" altLang="zh-CN" sz="1100" dirty="0">
-                <a:solidFill>
-                  <a:schemeClr val="bg1">
-                    <a:lumMod val="50000"/>
-                  </a:schemeClr>
-                </a:solidFill>
-                <a:latin typeface="微软雅黑" charset="0"/>
-                <a:ea typeface="微软雅黑" charset="0"/>
-              </a:rPr>
-              <a:t>8-14</a:t>
-            </a:r>
-            <a:r>
-              <a:rPr lang="zh-CN" altLang="en-US" sz="1100" dirty="0">
-                <a:solidFill>
-                  <a:schemeClr val="bg1">
-                    <a:lumMod val="50000"/>
-                  </a:schemeClr>
-                </a:solidFill>
-                <a:latin typeface="微软雅黑" charset="0"/>
-                <a:ea typeface="微软雅黑" charset="0"/>
-              </a:rPr>
-              <a:t>号字，</a:t>
-            </a:r>
-            <a:r>
-              <a:rPr lang="en-US" altLang="zh-CN" sz="1100" dirty="0">
-                <a:solidFill>
-                  <a:schemeClr val="bg1">
-                    <a:lumMod val="50000"/>
-                  </a:schemeClr>
-                </a:solidFill>
-                <a:latin typeface="微软雅黑" charset="0"/>
-                <a:ea typeface="微软雅黑" charset="0"/>
-              </a:rPr>
-              <a:t>1.3</a:t>
-            </a:r>
-            <a:r>
-              <a:rPr lang="zh-CN" altLang="en-US" sz="1100" dirty="0">
-                <a:solidFill>
-                  <a:schemeClr val="bg1">
-                    <a:lumMod val="50000"/>
-                  </a:schemeClr>
-                </a:solidFill>
-                <a:latin typeface="微软雅黑" charset="0"/>
-                <a:ea typeface="微软雅黑" charset="0"/>
-              </a:rPr>
-              <a:t>倍字间距。</a:t>
-            </a:r>
+              <a:t>知识图谱的出现和发展，为文档表示带来新的希望，那就是基于知识的文档表示方案。一篇文章不再只是由一组代表词汇的字符串来表示，而是由文章中的实体及其复杂语义关系来表示</a:t>
+            </a:r>
+            <a:endParaRPr lang="zh-CN" altLang="en-US" sz="1100" dirty="0">
+              <a:solidFill>
+                <a:schemeClr val="bg1">
+                  <a:lumMod val="50000"/>
+                </a:schemeClr>
+              </a:solidFill>
+              <a:latin typeface="微软雅黑" charset="0"/>
+              <a:ea typeface="微软雅黑" charset="0"/>
+            </a:endParaRPr>
           </a:p>
         </p:txBody>
       </p:sp>
@@ -29132,8 +29263,8 @@
         </p:nvSpPr>
         <p:spPr>
           <a:xfrm>
-            <a:off x="8327972" y="4990242"/>
-            <a:ext cx="1620957" cy="307777"/>
+            <a:off x="8776812" y="4888264"/>
+            <a:ext cx="723275" cy="307777"/>
           </a:xfrm>
           <a:prstGeom prst="rect">
             <a:avLst/>
@@ -29147,8 +29278,9 @@
           <a:p>
             <a:r>
               <a:rPr lang="zh-CN" altLang="en-US" sz="1400" b="1" dirty="0"/>
-              <a:t>点击此处添加标题</a:t>
-            </a:r>
+              <a:t>反欺诈</a:t>
+            </a:r>
+            <a:endParaRPr lang="zh-CN" altLang="en-US" sz="1400" b="1" dirty="0"/>
           </a:p>
         </p:txBody>
       </p:sp>
@@ -29161,7 +29293,7 @@
         <p:spPr>
           <a:xfrm>
             <a:off x="7841247" y="5234766"/>
-            <a:ext cx="2594406" cy="972574"/>
+            <a:ext cx="2594406" cy="1611339"/>
           </a:xfrm>
           <a:prstGeom prst="rect">
             <a:avLst/>
@@ -29188,10 +29320,10 @@
                 <a:latin typeface="微软雅黑" charset="0"/>
                 <a:ea typeface="微软雅黑" charset="0"/>
               </a:rPr>
-              <a:t>标题数字等都可以通过点击和重新输入进行更改，顶部“开始”面板中可以对字体、字号、颜色、行距等进行修改。建议正文</a:t>
-            </a:r>
-            <a:r>
-              <a:rPr lang="en-US" altLang="zh-CN" sz="1100" dirty="0">
+              <a:t>反欺诈是风控中非常重要的一道环节。基于大数据的反欺诈的难点在于如何把不同来源的</a:t>
+            </a:r>
+            <a:r>
+              <a:rPr lang="zh-CN" altLang="en-US" sz="1100" dirty="0" smtClean="0">
                 <a:solidFill>
                   <a:schemeClr val="bg1">
                     <a:lumMod val="50000"/>
@@ -29200,7 +29332,7 @@
                 <a:latin typeface="微软雅黑" charset="0"/>
                 <a:ea typeface="微软雅黑" charset="0"/>
               </a:rPr>
-              <a:t>8-14</a:t>
+              <a:t>数据整合</a:t>
             </a:r>
             <a:r>
               <a:rPr lang="zh-CN" altLang="en-US" sz="1100" dirty="0">
@@ -29212,10 +29344,10 @@
                 <a:latin typeface="微软雅黑" charset="0"/>
                 <a:ea typeface="微软雅黑" charset="0"/>
               </a:rPr>
-              <a:t>号字，</a:t>
-            </a:r>
-            <a:r>
-              <a:rPr lang="en-US" altLang="zh-CN" sz="1100" dirty="0">
+              <a:t>在一起，并构建反欺诈引擎</a:t>
+            </a:r>
+            <a:r>
+              <a:rPr lang="zh-CN" altLang="en-US" sz="1100" dirty="0" smtClean="0">
                 <a:solidFill>
                   <a:schemeClr val="bg1">
                     <a:lumMod val="50000"/>
@@ -29224,7 +29356,7 @@
                 <a:latin typeface="微软雅黑" charset="0"/>
                 <a:ea typeface="微软雅黑" charset="0"/>
               </a:rPr>
-              <a:t>1.3</a:t>
+              <a:t>，而不少</a:t>
             </a:r>
             <a:r>
               <a:rPr lang="zh-CN" altLang="en-US" sz="1100" dirty="0">
@@ -29236,8 +29368,41 @@
                 <a:latin typeface="微软雅黑" charset="0"/>
                 <a:ea typeface="微软雅黑" charset="0"/>
               </a:rPr>
-              <a:t>倍字间距。</a:t>
-            </a:r>
+              <a:t>欺诈案件会涉及到复杂的关系网络，这也给欺诈审核带来了新的挑战</a:t>
+            </a:r>
+            <a:r>
+              <a:rPr lang="zh-CN" altLang="en-US" sz="1100" dirty="0" smtClean="0">
+                <a:solidFill>
+                  <a:schemeClr val="bg1">
+                    <a:lumMod val="50000"/>
+                  </a:schemeClr>
+                </a:solidFill>
+                <a:latin typeface="微软雅黑" charset="0"/>
+                <a:ea typeface="微软雅黑" charset="0"/>
+              </a:rPr>
+              <a:t>。知识</a:t>
+            </a:r>
+            <a:r>
+              <a:rPr lang="zh-CN" altLang="en-US" sz="1100" dirty="0">
+                <a:solidFill>
+                  <a:schemeClr val="bg1">
+                    <a:lumMod val="50000"/>
+                  </a:schemeClr>
+                </a:solidFill>
+                <a:latin typeface="微软雅黑" charset="0"/>
+                <a:ea typeface="微软雅黑" charset="0"/>
+              </a:rPr>
+              <a:t>图谱，作为关系的直接表示方式，可以很好地解决这两个问题。</a:t>
+            </a:r>
+            <a:endParaRPr lang="zh-CN" altLang="en-US" sz="1100" dirty="0">
+              <a:solidFill>
+                <a:schemeClr val="bg1">
+                  <a:lumMod val="50000"/>
+                </a:schemeClr>
+              </a:solidFill>
+              <a:latin typeface="微软雅黑" charset="0"/>
+              <a:ea typeface="微软雅黑" charset="0"/>
+            </a:endParaRPr>
           </a:p>
         </p:txBody>
       </p:sp>
@@ -29263,6 +29428,13 @@
       </p:transition>
     </mc:Fallback>
   </mc:AlternateContent>
+  <p:timing>
+    <p:tnLst>
+      <p:par>
+        <p:cTn id="1" dur="indefinite" restart="never" nodeType="tmRoot"/>
+      </p:par>
+    </p:tnLst>
+  </p:timing>
 </p:sld>
 </file>
 
@@ -29348,12 +29520,16 @@
               </a:lnSpc>
             </a:pPr>
             <a:r>
-              <a:rPr lang="zh-CN" altLang="en-US" sz="6000" dirty="0">
+              <a:rPr lang="zh-CN" altLang="en-US" sz="6000" smtClean="0">
                 <a:latin typeface="+mj-lt"/>
                 <a:ea typeface="微软雅黑" charset="0"/>
               </a:rPr>
-              <a:t>论文结构</a:t>
-            </a:r>
+              <a:t>研究内容</a:t>
+            </a:r>
+            <a:endParaRPr lang="zh-CN" altLang="en-US" sz="6000" dirty="0">
+              <a:latin typeface="+mj-lt"/>
+              <a:ea typeface="微软雅黑" charset="0"/>
+            </a:endParaRPr>
           </a:p>
         </p:txBody>
       </p:sp>
@@ -29489,6 +29665,13 @@
   <p:transition spd="slow">
     <p:push dir="u"/>
   </p:transition>
+  <p:timing>
+    <p:tnLst>
+      <p:par>
+        <p:cTn id="1" dur="indefinite" restart="never" nodeType="tmRoot"/>
+      </p:par>
+    </p:tnLst>
+  </p:timing>
 </p:sld>
 </file>
 
@@ -33521,6 +33704,13 @@
       </p:transition>
     </mc:Fallback>
   </mc:AlternateContent>
+  <p:timing>
+    <p:tnLst>
+      <p:par>
+        <p:cTn id="1" dur="indefinite" restart="never" nodeType="tmRoot"/>
+      </p:par>
+    </p:tnLst>
+  </p:timing>
 </p:sld>
 </file>
 
@@ -39241,6 +39431,13 @@
       </p:transition>
     </mc:Fallback>
   </mc:AlternateContent>
+  <p:timing>
+    <p:tnLst>
+      <p:par>
+        <p:cTn id="1" dur="indefinite" restart="never" nodeType="tmRoot"/>
+      </p:par>
+    </p:tnLst>
+  </p:timing>
 </p:sld>
 </file>
 
@@ -39476,4 +39673,265 @@
     </a:ext>
   </a:extLst>
 </a:theme>
+</file>
+
+<file path=ppt/theme/theme2.xml><?xml version="1.0" encoding="utf-8"?>
+<a:theme xmlns:a="http://schemas.openxmlformats.org/drawingml/2006/main" name="Office 主题​​">
+  <a:themeElements>
+    <a:clrScheme name="Office">
+      <a:dk1>
+        <a:sysClr val="windowText" lastClr="000000"/>
+      </a:dk1>
+      <a:lt1>
+        <a:sysClr val="window" lastClr="FFFFFF"/>
+      </a:lt1>
+      <a:dk2>
+        <a:srgbClr val="44546A"/>
+      </a:dk2>
+      <a:lt2>
+        <a:srgbClr val="E7E6E6"/>
+      </a:lt2>
+      <a:accent1>
+        <a:srgbClr val="5B9BD5"/>
+      </a:accent1>
+      <a:accent2>
+        <a:srgbClr val="ED7D31"/>
+      </a:accent2>
+      <a:accent3>
+        <a:srgbClr val="A5A5A5"/>
+      </a:accent3>
+      <a:accent4>
+        <a:srgbClr val="FFC000"/>
+      </a:accent4>
+      <a:accent5>
+        <a:srgbClr val="4472C4"/>
+      </a:accent5>
+      <a:accent6>
+        <a:srgbClr val="70AD47"/>
+      </a:accent6>
+      <a:hlink>
+        <a:srgbClr val="0563C1"/>
+      </a:hlink>
+      <a:folHlink>
+        <a:srgbClr val="954F72"/>
+      </a:folHlink>
+    </a:clrScheme>
+    <a:fontScheme name="Office">
+      <a:majorFont>
+        <a:latin typeface="等线 Light" panose="020F0302020204030204"/>
+        <a:ea typeface=""/>
+        <a:cs typeface=""/>
+        <a:font script="Jpan" typeface="游ゴシック Light"/>
+        <a:font script="Hang" typeface="맑은 고딕"/>
+        <a:font script="Hans" typeface="等线 Light"/>
+        <a:font script="Hant" typeface="新細明體"/>
+        <a:font script="Arab" typeface="Times New Roman"/>
+        <a:font script="Hebr" typeface="Times New Roman"/>
+        <a:font script="Thai" typeface="Angsana New"/>
+        <a:font script="Ethi" typeface="Nyala"/>
+        <a:font script="Beng" typeface="Vrinda"/>
+        <a:font script="Gujr" typeface="Shruti"/>
+        <a:font script="Khmr" typeface="MoolBoran"/>
+        <a:font script="Knda" typeface="Tunga"/>
+        <a:font script="Guru" typeface="Raavi"/>
+        <a:font script="Cans" typeface="Euphemia"/>
+        <a:font script="Cher" typeface="Plantagenet Cherokee"/>
+        <a:font script="Yiii" typeface="Microsoft Yi Baiti"/>
+        <a:font script="Tibt" typeface="Microsoft Himalaya"/>
+        <a:font script="Thaa" typeface="MV Boli"/>
+        <a:font script="Deva" typeface="Mangal"/>
+        <a:font script="Telu" typeface="Gautami"/>
+        <a:font script="Taml" typeface="Latha"/>
+        <a:font script="Syrc" typeface="Estrangelo Edessa"/>
+        <a:font script="Orya" typeface="Kalinga"/>
+        <a:font script="Mlym" typeface="Kartika"/>
+        <a:font script="Laoo" typeface="DokChampa"/>
+        <a:font script="Sinh" typeface="Iskoola Pota"/>
+        <a:font script="Mong" typeface="Mongolian Baiti"/>
+        <a:font script="Viet" typeface="Times New Roman"/>
+        <a:font script="Uigh" typeface="Microsoft Uighur"/>
+        <a:font script="Geor" typeface="Sylfaen"/>
+      </a:majorFont>
+      <a:minorFont>
+        <a:latin typeface="等线" panose="020F0502020204030204"/>
+        <a:ea typeface=""/>
+        <a:cs typeface=""/>
+        <a:font script="Jpan" typeface="游ゴシック"/>
+        <a:font script="Hang" typeface="맑은 고딕"/>
+        <a:font script="Hans" typeface="等线"/>
+        <a:font script="Hant" typeface="新細明體"/>
+        <a:font script="Arab" typeface="Arial"/>
+        <a:font script="Hebr" typeface="Arial"/>
+        <a:font script="Thai" typeface="Cordia New"/>
+        <a:font script="Ethi" typeface="Nyala"/>
+        <a:font script="Beng" typeface="Vrinda"/>
+        <a:font script="Gujr" typeface="Shruti"/>
+        <a:font script="Khmr" typeface="DaunPenh"/>
+        <a:font script="Knda" typeface="Tunga"/>
+        <a:font script="Guru" typeface="Raavi"/>
+        <a:font script="Cans" typeface="Euphemia"/>
+        <a:font script="Cher" typeface="Plantagenet Cherokee"/>
+        <a:font script="Yiii" typeface="Microsoft Yi Baiti"/>
+        <a:font script="Tibt" typeface="Microsoft Himalaya"/>
+        <a:font script="Thaa" typeface="MV Boli"/>
+        <a:font script="Deva" typeface="Mangal"/>
+        <a:font script="Telu" typeface="Gautami"/>
+        <a:font script="Taml" typeface="Latha"/>
+        <a:font script="Syrc" typeface="Estrangelo Edessa"/>
+        <a:font script="Orya" typeface="Kalinga"/>
+        <a:font script="Mlym" typeface="Kartika"/>
+        <a:font script="Laoo" typeface="DokChampa"/>
+        <a:font script="Sinh" typeface="Iskoola Pota"/>
+        <a:font script="Mong" typeface="Mongolian Baiti"/>
+        <a:font script="Viet" typeface="Arial"/>
+        <a:font script="Uigh" typeface="Microsoft Uighur"/>
+        <a:font script="Geor" typeface="Sylfaen"/>
+      </a:minorFont>
+    </a:fontScheme>
+    <a:fmtScheme name="Office">
+      <a:fillStyleLst>
+        <a:solidFill>
+          <a:schemeClr val="phClr"/>
+        </a:solidFill>
+        <a:gradFill rotWithShape="1">
+          <a:gsLst>
+            <a:gs pos="0">
+              <a:schemeClr val="phClr">
+                <a:lumMod val="110000"/>
+                <a:satMod val="105000"/>
+                <a:tint val="67000"/>
+              </a:schemeClr>
+            </a:gs>
+            <a:gs pos="50000">
+              <a:schemeClr val="phClr">
+                <a:lumMod val="105000"/>
+                <a:satMod val="103000"/>
+                <a:tint val="73000"/>
+              </a:schemeClr>
+            </a:gs>
+            <a:gs pos="100000">
+              <a:schemeClr val="phClr">
+                <a:lumMod val="105000"/>
+                <a:satMod val="109000"/>
+                <a:tint val="81000"/>
+              </a:schemeClr>
+            </a:gs>
+          </a:gsLst>
+          <a:lin ang="5400000" scaled="0"/>
+        </a:gradFill>
+        <a:gradFill rotWithShape="1">
+          <a:gsLst>
+            <a:gs pos="0">
+              <a:schemeClr val="phClr">
+                <a:satMod val="103000"/>
+                <a:lumMod val="102000"/>
+                <a:tint val="94000"/>
+              </a:schemeClr>
+            </a:gs>
+            <a:gs pos="50000">
+              <a:schemeClr val="phClr">
+                <a:satMod val="110000"/>
+                <a:lumMod val="100000"/>
+                <a:shade val="100000"/>
+              </a:schemeClr>
+            </a:gs>
+            <a:gs pos="100000">
+              <a:schemeClr val="phClr">
+                <a:lumMod val="99000"/>
+                <a:satMod val="120000"/>
+                <a:shade val="78000"/>
+              </a:schemeClr>
+            </a:gs>
+          </a:gsLst>
+          <a:lin ang="5400000" scaled="0"/>
+        </a:gradFill>
+      </a:fillStyleLst>
+      <a:lnStyleLst>
+        <a:ln w="6350" cap="flat" cmpd="sng" algn="ctr">
+          <a:solidFill>
+            <a:schemeClr val="phClr"/>
+          </a:solidFill>
+          <a:prstDash val="solid"/>
+          <a:miter lim="800000"/>
+        </a:ln>
+        <a:ln w="12700" cap="flat" cmpd="sng" algn="ctr">
+          <a:solidFill>
+            <a:schemeClr val="phClr"/>
+          </a:solidFill>
+          <a:prstDash val="solid"/>
+          <a:miter lim="800000"/>
+        </a:ln>
+        <a:ln w="19050" cap="flat" cmpd="sng" algn="ctr">
+          <a:solidFill>
+            <a:schemeClr val="phClr"/>
+          </a:solidFill>
+          <a:prstDash val="solid"/>
+          <a:miter lim="800000"/>
+        </a:ln>
+      </a:lnStyleLst>
+      <a:effectStyleLst>
+        <a:effectStyle>
+          <a:effectLst/>
+        </a:effectStyle>
+        <a:effectStyle>
+          <a:effectLst/>
+        </a:effectStyle>
+        <a:effectStyle>
+          <a:effectLst>
+            <a:outerShdw blurRad="57150" dist="19050" dir="5400000" algn="ctr" rotWithShape="0">
+              <a:srgbClr val="000000">
+                <a:alpha val="63000"/>
+              </a:srgbClr>
+            </a:outerShdw>
+          </a:effectLst>
+        </a:effectStyle>
+      </a:effectStyleLst>
+      <a:bgFillStyleLst>
+        <a:solidFill>
+          <a:schemeClr val="phClr"/>
+        </a:solidFill>
+        <a:solidFill>
+          <a:schemeClr val="phClr">
+            <a:tint val="95000"/>
+            <a:satMod val="170000"/>
+          </a:schemeClr>
+        </a:solidFill>
+        <a:gradFill rotWithShape="1">
+          <a:gsLst>
+            <a:gs pos="0">
+              <a:schemeClr val="phClr">
+                <a:tint val="93000"/>
+                <a:satMod val="150000"/>
+                <a:shade val="98000"/>
+                <a:lumMod val="102000"/>
+              </a:schemeClr>
+            </a:gs>
+            <a:gs pos="50000">
+              <a:schemeClr val="phClr">
+                <a:tint val="98000"/>
+                <a:satMod val="130000"/>
+                <a:shade val="90000"/>
+                <a:lumMod val="103000"/>
+              </a:schemeClr>
+            </a:gs>
+            <a:gs pos="100000">
+              <a:schemeClr val="phClr">
+                <a:shade val="63000"/>
+                <a:satMod val="120000"/>
+              </a:schemeClr>
+            </a:gs>
+          </a:gsLst>
+          <a:lin ang="5400000" scaled="0"/>
+        </a:gradFill>
+      </a:bgFillStyleLst>
+    </a:fmtScheme>
+  </a:themeElements>
+  <a:objectDefaults/>
+  <a:extraClrSchemeLst/>
+  <a:extLst>
+    <a:ext uri="{05A4C25C-085E-4340-85A3-A5531E510DB2}">
+      <thm15:themeFamily xmlns:thm15="http://schemas.microsoft.com/office/thememl/2012/main" name="Office Theme" id="{62F939B6-93AF-4DB8-9C6B-D6C7DFDC589F}" vid="{4A3C46E8-61CC-4603-A589-7422A47A8E4A}"/>
+    </a:ext>
+  </a:extLst>
+</a:theme>
 </file>